--- a/Submission/Slides final.pptx
+++ b/Submission/Slides final.pptx
@@ -221,7 +221,7 @@
             <a:fld id="{3D14189E-669F-4446-8107-AA75AE2ACCE5}" type="datetimeFigureOut">
               <a:rPr lang="en-AU" smtClean="0"/>
               <a:pPr/>
-              <a:t>16/05/16</a:t>
+              <a:t>17/05/16</a:t>
             </a:fld>
             <a:endParaRPr lang="en-AU"/>
           </a:p>
@@ -1113,19 +1113,11 @@
           <a:p>
             <a:r>
               <a:rPr lang="en-AU" dirty="0" smtClean="0"/>
-              <a:t>They didn’t do all of the extra tests for the SMR </a:t>
-            </a:r>
-            <a:r>
-              <a:rPr lang="en-AU" dirty="0" smtClean="0"/>
-              <a:t>model</a:t>
+              <a:t>They didn’t do all of the extra tests for the SMR model</a:t>
             </a:r>
             <a:r>
               <a:rPr lang="en-AU" baseline="0" dirty="0" smtClean="0"/>
-              <a:t> – they basically just used it as a baseline to compare the BYM and SPC models to. </a:t>
-            </a:r>
-            <a:r>
-              <a:rPr lang="en-AU" baseline="0" dirty="0" smtClean="0"/>
-              <a:t>BYM produces a smoother pattern of risks than the SPC model.</a:t>
+              <a:t> – they basically just used it as a baseline to compare the BYM and SPC models to. BYM produces a smoother pattern of risks than the SPC model.</a:t>
             </a:r>
           </a:p>
           <a:p>
@@ -1571,11 +1563,7 @@
             </a:r>
             <a:r>
               <a:rPr lang="en-US" baseline="0" dirty="0" smtClean="0"/>
-              <a:t> </a:t>
-            </a:r>
-            <a:r>
-              <a:rPr lang="en-US" baseline="0" dirty="0" smtClean="0"/>
-              <a:t>an indicator of general </a:t>
+              <a:t> an indicator of general </a:t>
             </a:r>
             <a:r>
               <a:rPr lang="en-US" baseline="0" dirty="0" err="1" smtClean="0"/>
@@ -1608,11 +1596,7 @@
           <a:p>
             <a:r>
               <a:rPr lang="en-US" baseline="0" dirty="0" smtClean="0"/>
-              <a:t>Unlike the incidence of pediatric brain cancer in Florida, this data is binomially distributed. We had to adjust the model fitting</a:t>
-            </a:r>
-            <a:r>
-              <a:rPr lang="en-US" baseline="0" dirty="0" smtClean="0"/>
-              <a:t>. We will talk more about this later.</a:t>
+              <a:t>Unlike the incidence of pediatric brain cancer in Florida, this data is binomially distributed. We had to adjust the model fitting. We will talk more about this later.</a:t>
             </a:r>
           </a:p>
           <a:p>
@@ -1654,13 +1638,8 @@
             </a:r>
             <a:r>
               <a:rPr lang="en-US" baseline="0" dirty="0" smtClean="0"/>
-              <a:t> if and only if they shared a boundary</a:t>
-            </a:r>
-            <a:r>
-              <a:rPr lang="en-US" baseline="0" dirty="0" smtClean="0"/>
-              <a:t>. This appears to be the standard definition in the literature.</a:t>
-            </a:r>
-            <a:endParaRPr lang="en-US" baseline="0" dirty="0" smtClean="0"/>
+              <a:t> if and only if they shared a boundary. This appears to be the standard definition in the literature.</a:t>
+            </a:r>
           </a:p>
         </p:txBody>
       </p:sp>
@@ -1889,11 +1868,7 @@
           <a:p>
             <a:r>
               <a:rPr lang="en-US" dirty="0" smtClean="0"/>
-              <a:t>We </a:t>
-            </a:r>
-            <a:r>
-              <a:rPr lang="en-US" dirty="0" smtClean="0"/>
-              <a:t>are considering two models.</a:t>
+              <a:t>We are considering two models.</a:t>
             </a:r>
             <a:r>
               <a:rPr lang="en-US" baseline="0" dirty="0" smtClean="0"/>
@@ -2014,23 +1989,7 @@
           <a:p>
             <a:r>
               <a:rPr lang="en-US" baseline="0" dirty="0" smtClean="0"/>
-              <a:t>To be very </a:t>
-            </a:r>
-            <a:r>
-              <a:rPr lang="en-US" baseline="0" dirty="0" smtClean="0"/>
-              <a:t>imprecise </a:t>
-            </a:r>
-            <a:r>
-              <a:rPr lang="en-US" baseline="0" dirty="0" smtClean="0"/>
-              <a:t>the method consist </a:t>
-            </a:r>
-            <a:r>
-              <a:rPr lang="en-US" baseline="0" dirty="0" smtClean="0"/>
-              <a:t>of </a:t>
-            </a:r>
-            <a:r>
-              <a:rPr lang="en-US" baseline="0" dirty="0" smtClean="0"/>
-              <a:t>3 steps</a:t>
+              <a:t>To be very imprecise the method consist of 3 steps</a:t>
             </a:r>
           </a:p>
           <a:p>
@@ -2047,15 +2006,7 @@
             </a:r>
             <a:r>
               <a:rPr lang="en-US" baseline="0" dirty="0" smtClean="0"/>
-              <a:t> using </a:t>
-            </a:r>
-            <a:r>
-              <a:rPr lang="en-US" baseline="0" dirty="0" smtClean="0"/>
-              <a:t>Laplace </a:t>
-            </a:r>
-            <a:r>
-              <a:rPr lang="en-US" baseline="0" dirty="0" smtClean="0"/>
-              <a:t>approximation</a:t>
+              <a:t> using Laplace approximation</a:t>
             </a:r>
           </a:p>
           <a:p>
@@ -2064,23 +2015,7 @@
             </a:pPr>
             <a:r>
               <a:rPr lang="en-US" baseline="0" dirty="0" smtClean="0"/>
-              <a:t>Compute </a:t>
-            </a:r>
-            <a:r>
-              <a:rPr lang="en-US" baseline="0" dirty="0" smtClean="0"/>
-              <a:t>Laplace </a:t>
-            </a:r>
-            <a:r>
-              <a:rPr lang="en-US" baseline="0" dirty="0" smtClean="0"/>
-              <a:t>approximation of the </a:t>
-            </a:r>
-            <a:r>
-              <a:rPr lang="en-US" baseline="0" dirty="0" smtClean="0"/>
-              <a:t>Gaussian </a:t>
-            </a:r>
-            <a:r>
-              <a:rPr lang="en-US" baseline="0" dirty="0" smtClean="0"/>
-              <a:t>parameters conditioned on the </a:t>
+              <a:t>Compute Laplace approximation of the Gaussian parameters conditioned on the </a:t>
             </a:r>
             <a:r>
               <a:rPr lang="en-US" baseline="0" dirty="0" err="1" smtClean="0"/>
@@ -2112,15 +2047,7 @@
             </a:pPr>
             <a:r>
               <a:rPr lang="en-US" baseline="0" dirty="0" smtClean="0"/>
-              <a:t>This method is a lot faster and in general produce </a:t>
-            </a:r>
-            <a:r>
-              <a:rPr lang="en-US" baseline="0" dirty="0" smtClean="0"/>
-              <a:t>similar </a:t>
-            </a:r>
-            <a:r>
-              <a:rPr lang="en-US" baseline="0" dirty="0" smtClean="0"/>
-              <a:t>results </a:t>
+              <a:t>This method is a lot faster and in general produce similar results </a:t>
             </a:r>
           </a:p>
           <a:p>
@@ -3164,7 +3091,6 @@
               <a:rPr lang="en-AU" dirty="0" smtClean="0"/>
               <a:t>. </a:t>
             </a:r>
-            <a:endParaRPr lang="en-AU" dirty="0" smtClean="0"/>
           </a:p>
           <a:p>
             <a:endParaRPr lang="en-AU" dirty="0" smtClean="0"/>
@@ -3206,11 +3132,7 @@
             </a:r>
             <a:r>
               <a:rPr lang="en-AU" baseline="0" dirty="0" smtClean="0"/>
-              <a:t> </a:t>
-            </a:r>
-            <a:r>
-              <a:rPr lang="en-AU" baseline="0" dirty="0" smtClean="0"/>
-              <a:t>part of the model. </a:t>
+              <a:t> part of the model. </a:t>
             </a:r>
             <a:endParaRPr lang="en-AU" dirty="0"/>
           </a:p>
@@ -3827,11 +3749,7 @@
           <a:p>
             <a:r>
               <a:rPr lang="en-AU" dirty="0" smtClean="0"/>
-              <a:t>Simplest </a:t>
-            </a:r>
-            <a:r>
-              <a:rPr lang="en-AU" dirty="0" smtClean="0"/>
-              <a:t>of the models, but doesn’t work with the large number of zero</a:t>
+              <a:t>Simplest of the models, but doesn’t work with the large number of zero</a:t>
             </a:r>
             <a:r>
               <a:rPr lang="en-AU" baseline="0" dirty="0" smtClean="0"/>
@@ -3870,15 +3788,7 @@
           <a:p>
             <a:r>
               <a:rPr lang="en-AU" sz="1200" dirty="0" smtClean="0"/>
-              <a:t>This </a:t>
-            </a:r>
-            <a:r>
-              <a:rPr lang="en-AU" sz="1200" dirty="0" smtClean="0"/>
-              <a:t>model proved to contain a lot of confounding </a:t>
-            </a:r>
-            <a:r>
-              <a:rPr lang="en-AU" sz="1200" dirty="0" smtClean="0"/>
-              <a:t>noise.</a:t>
+              <a:t>This model proved to contain a lot of confounding noise.</a:t>
             </a:r>
           </a:p>
           <a:p>
@@ -4083,11 +3993,74 @@
             </a:pPr>
             <a:r>
               <a:rPr lang="en-AU" sz="1200" dirty="0" smtClean="0"/>
-              <a:t>This is a hierarchical</a:t>
+              <a:t>This is a </a:t>
+            </a:r>
+            <a:r>
+              <a:rPr lang="en-AU" sz="1200" dirty="0" smtClean="0"/>
+              <a:t>hierarchical/multilevel</a:t>
             </a:r>
             <a:r>
               <a:rPr lang="en-AU" sz="1200" baseline="0" dirty="0" smtClean="0"/>
-              <a:t> model. This is a Bayesian model. Neighbourhood information is included as a random effect.</a:t>
+              <a:t> model – main formula is the log of relative risk.</a:t>
+            </a:r>
+            <a:r>
+              <a:rPr lang="en-AU" sz="1200" b="0" i="0" u="none" strike="noStrike" kern="1200" baseline="0" dirty="0" smtClean="0">
+                <a:solidFill>
+                  <a:schemeClr val="tx1"/>
+                </a:solidFill>
+                <a:latin typeface="+mn-lt"/>
+                <a:ea typeface="+mn-ea"/>
+                <a:cs typeface="+mn-cs"/>
+              </a:rPr>
+              <a:t> The regression coefficients are themselves given a model, whose parameters are also estimated from data.</a:t>
+            </a:r>
+            <a:endParaRPr lang="en-AU" sz="1200" baseline="0" dirty="0" smtClean="0"/>
+          </a:p>
+          <a:p>
+            <a:pPr marL="0" marR="0" indent="0" algn="l" defTabSz="914400" rtl="0" eaLnBrk="1" fontAlgn="auto" latinLnBrk="0" hangingPunct="1">
+              <a:lnSpc>
+                <a:spcPct val="100000"/>
+              </a:lnSpc>
+              <a:spcBef>
+                <a:spcPts val="0"/>
+              </a:spcBef>
+              <a:spcAft>
+                <a:spcPts val="0"/>
+              </a:spcAft>
+              <a:buClrTx/>
+              <a:buSzTx/>
+              <a:buFontTx/>
+              <a:buNone/>
+              <a:tabLst/>
+              <a:defRPr/>
+            </a:pPr>
+            <a:endParaRPr lang="en-AU" sz="1200" baseline="0" dirty="0" smtClean="0"/>
+          </a:p>
+          <a:p>
+            <a:pPr marL="0" marR="0" indent="0" algn="l" defTabSz="914400" rtl="0" eaLnBrk="1" fontAlgn="auto" latinLnBrk="0" hangingPunct="1">
+              <a:lnSpc>
+                <a:spcPct val="100000"/>
+              </a:lnSpc>
+              <a:spcBef>
+                <a:spcPts val="0"/>
+              </a:spcBef>
+              <a:spcAft>
+                <a:spcPts val="0"/>
+              </a:spcAft>
+              <a:buClrTx/>
+              <a:buSzTx/>
+              <a:buFontTx/>
+              <a:buNone/>
+              <a:tabLst/>
+              <a:defRPr/>
+            </a:pPr>
+            <a:r>
+              <a:rPr lang="en-AU" sz="1200" baseline="0" dirty="0" smtClean="0"/>
+              <a:t>This </a:t>
+            </a:r>
+            <a:r>
+              <a:rPr lang="en-AU" sz="1200" baseline="0" dirty="0" smtClean="0"/>
+              <a:t>is a Bayesian model. Neighbourhood information is included as a random effect.</a:t>
             </a:r>
             <a:endParaRPr lang="en-AU" sz="1200" dirty="0" smtClean="0"/>
           </a:p>
@@ -4131,11 +4104,7 @@
             </a:pPr>
             <a:r>
               <a:rPr lang="en-AU" sz="1200" dirty="0" smtClean="0"/>
-              <a:t>“</a:t>
-            </a:r>
-            <a:r>
-              <a:rPr lang="en-AU" sz="1200" dirty="0" smtClean="0"/>
-              <a:t>The model decomposes the log of area-level relative risks into the sum of two random effects: one which is unstructured (heterogeneous), </a:t>
+              <a:t>“The model decomposes the log of area-level relative risks into the sum of two random effects: one which is unstructured (heterogeneous), </a:t>
             </a:r>
             <a:r>
               <a:rPr lang="en-AU" sz="1200" i="1" dirty="0" smtClean="0"/>
@@ -4441,11 +4410,7 @@
             </a:r>
             <a:r>
               <a:rPr lang="en-AU" sz="1200" dirty="0" smtClean="0"/>
-              <a:t>, which is the spatially structured component, which is dependent on the values of its neighbouring </a:t>
-            </a:r>
-            <a:r>
-              <a:rPr lang="en-AU" sz="1200" dirty="0" smtClean="0"/>
-              <a:t>zip codes.</a:t>
+              <a:t>, which is the spatially structured component, which is dependent on the values of its neighbouring zip codes.</a:t>
             </a:r>
           </a:p>
           <a:p>
@@ -4614,18 +4579,7 @@
                 <a:ea typeface="+mn-ea"/>
                 <a:cs typeface="+mn-cs"/>
               </a:rPr>
-              <a:t>“</a:t>
-            </a:r>
-            <a:r>
-              <a:rPr lang="en-AU" sz="1200" b="0" i="0" u="none" strike="noStrike" kern="1200" baseline="0" dirty="0" smtClean="0">
-                <a:solidFill>
-                  <a:schemeClr val="tx1"/>
-                </a:solidFill>
-                <a:latin typeface="+mn-lt"/>
-                <a:ea typeface="+mn-ea"/>
-                <a:cs typeface="+mn-cs"/>
-              </a:rPr>
-              <a:t>Since childhood cancer is a rare disease, there are zip code areas with no cases. This sparseness of the count outcomes can be a problem as the Poisson data level model might not be able to model the situation where there can be multimodality in the marginal count distribution.”</a:t>
+              <a:t>“Since childhood cancer is a rare disease, there are zip code areas with no cases. This sparseness of the count outcomes can be a problem as the Poisson data level model might not be able to model the situation where there can be multimodality in the marginal count distribution.”</a:t>
             </a:r>
           </a:p>
           <a:p>
@@ -4715,27 +4669,8 @@
                 <a:ea typeface="+mn-ea"/>
                 <a:cs typeface="+mn-cs"/>
               </a:rPr>
-              <a:t> 1998) was used to check convergence</a:t>
-            </a:r>
-            <a:r>
-              <a:rPr lang="en-AU" sz="1200" b="0" i="0" u="none" strike="noStrike" kern="1200" baseline="0" dirty="0" smtClean="0">
-                <a:solidFill>
-                  <a:schemeClr val="tx1"/>
-                </a:solidFill>
-                <a:latin typeface="+mn-lt"/>
-                <a:ea typeface="+mn-ea"/>
-                <a:cs typeface="+mn-cs"/>
-              </a:rPr>
-              <a:t>. This was also done in the BYM model case.</a:t>
-            </a:r>
-            <a:endParaRPr lang="en-AU" sz="1200" b="0" i="0" u="none" strike="noStrike" kern="1200" baseline="0" dirty="0" smtClean="0">
-              <a:solidFill>
-                <a:schemeClr val="tx1"/>
-              </a:solidFill>
-              <a:latin typeface="+mn-lt"/>
-              <a:ea typeface="+mn-ea"/>
-              <a:cs typeface="+mn-cs"/>
-            </a:endParaRPr>
+              <a:t> 1998) was used to check convergence. This was also done in the BYM model case.</a:t>
+            </a:r>
           </a:p>
           <a:p>
             <a:endParaRPr lang="en-AU" sz="1200" b="0" i="0" u="none" strike="noStrike" kern="1200" baseline="0" dirty="0" smtClean="0">
@@ -4909,29 +4844,7 @@
                 <a:ea typeface="+mn-ea"/>
                 <a:cs typeface="+mn-cs"/>
               </a:rPr>
-              <a:t>“A measure of goodness-of-fit that is widely used in Bayesian </a:t>
-            </a:r>
-            <a:r>
-              <a:rPr lang="en-AU" sz="1200" b="0" i="0" u="none" strike="noStrike" kern="1200" baseline="0" dirty="0" smtClean="0">
-                <a:solidFill>
-                  <a:schemeClr val="tx1"/>
-                </a:solidFill>
-                <a:latin typeface="+mn-lt"/>
-                <a:ea typeface="+mn-ea"/>
-                <a:cs typeface="+mn-cs"/>
-              </a:rPr>
-              <a:t>modelling </a:t>
-            </a:r>
-            <a:r>
-              <a:rPr lang="en-AU" sz="1200" b="0" i="0" u="none" strike="noStrike" kern="1200" baseline="0" dirty="0" smtClean="0">
-                <a:solidFill>
-                  <a:schemeClr val="tx1"/>
-                </a:solidFill>
-                <a:latin typeface="+mn-lt"/>
-                <a:ea typeface="+mn-ea"/>
-                <a:cs typeface="+mn-cs"/>
-              </a:rPr>
-              <a:t>is the deviance information criterion (DIC)”</a:t>
+              <a:t>“A measure of goodness-of-fit that is widely used in Bayesian modelling is the deviance information criterion (DIC)”</a:t>
             </a:r>
           </a:p>
           <a:p>
@@ -5016,8 +4929,21 @@
                 <a:ea typeface="+mn-ea"/>
                 <a:cs typeface="+mn-cs"/>
               </a:rPr>
-              <a:t> is an alternative to the DIC, and improves on some of the problems that it has, like that DIC is not fully </a:t>
-            </a:r>
+              <a:t> is an alternative to the DIC, and improves on some of the problems that it has, like that DIC is not fully Bayesian.</a:t>
+            </a:r>
+          </a:p>
+          <a:p>
+            <a:endParaRPr lang="en-AU" sz="1200" kern="1200" baseline="0" dirty="0" smtClean="0">
+              <a:solidFill>
+                <a:schemeClr val="tx1"/>
+              </a:solidFill>
+              <a:effectLst/>
+              <a:latin typeface="+mn-lt"/>
+              <a:ea typeface="+mn-ea"/>
+              <a:cs typeface="+mn-cs"/>
+            </a:endParaRPr>
+          </a:p>
+          <a:p>
             <a:r>
               <a:rPr lang="en-AU" sz="1200" kern="1200" baseline="0" dirty="0" smtClean="0">
                 <a:solidFill>
@@ -5028,56 +4954,7 @@
                 <a:ea typeface="+mn-ea"/>
                 <a:cs typeface="+mn-cs"/>
               </a:rPr>
-              <a:t>Bayesian</a:t>
-            </a:r>
-            <a:r>
-              <a:rPr lang="en-AU" sz="1200" kern="1200" baseline="0" dirty="0" smtClean="0">
-                <a:solidFill>
-                  <a:schemeClr val="tx1"/>
-                </a:solidFill>
-                <a:effectLst/>
-                <a:latin typeface="+mn-lt"/>
-                <a:ea typeface="+mn-ea"/>
-                <a:cs typeface="+mn-cs"/>
-              </a:rPr>
-              <a:t>.</a:t>
-            </a:r>
-          </a:p>
-          <a:p>
-            <a:endParaRPr lang="en-AU" sz="1200" kern="1200" baseline="0" dirty="0" smtClean="0">
-              <a:solidFill>
-                <a:schemeClr val="tx1"/>
-              </a:solidFill>
-              <a:effectLst/>
-              <a:latin typeface="+mn-lt"/>
-              <a:ea typeface="+mn-ea"/>
-              <a:cs typeface="+mn-cs"/>
-            </a:endParaRPr>
-          </a:p>
-          <a:p>
-            <a:r>
-              <a:rPr lang="en-AU" sz="1200" kern="1200" baseline="0" dirty="0" smtClean="0">
-                <a:solidFill>
-                  <a:schemeClr val="tx1"/>
-                </a:solidFill>
-                <a:effectLst/>
-                <a:latin typeface="+mn-lt"/>
-                <a:ea typeface="+mn-ea"/>
-                <a:cs typeface="+mn-cs"/>
-              </a:rPr>
-              <a:t>G is the sampler sample size (in the MCMC), in this article </a:t>
-            </a:r>
-            <a:r>
-              <a:rPr lang="en-AU" sz="1200" kern="1200" baseline="0" dirty="0" smtClean="0">
-                <a:solidFill>
-                  <a:schemeClr val="tx1"/>
-                </a:solidFill>
-                <a:effectLst/>
-                <a:latin typeface="+mn-lt"/>
-                <a:ea typeface="+mn-ea"/>
-                <a:cs typeface="+mn-cs"/>
-              </a:rPr>
-              <a:t>10000.</a:t>
+              <a:t>G is the sampler sample size (in the MCMC), in this article 10000.</a:t>
             </a:r>
             <a:endParaRPr lang="en-AU" baseline="0" dirty="0" smtClean="0"/>
           </a:p>
@@ -5466,7 +5343,7 @@
             <a:fld id="{5C1DE6E1-CB5A-410F-AE1B-A0C634280F57}" type="datetimeFigureOut">
               <a:rPr lang="en-AU" smtClean="0"/>
               <a:pPr/>
-              <a:t>16/05/16</a:t>
+              <a:t>17/05/16</a:t>
             </a:fld>
             <a:endParaRPr lang="en-AU"/>
           </a:p>
@@ -5638,7 +5515,7 @@
             <a:fld id="{5C1DE6E1-CB5A-410F-AE1B-A0C634280F57}" type="datetimeFigureOut">
               <a:rPr lang="en-AU" smtClean="0"/>
               <a:pPr/>
-              <a:t>16/05/16</a:t>
+              <a:t>17/05/16</a:t>
             </a:fld>
             <a:endParaRPr lang="en-AU"/>
           </a:p>
@@ -5820,7 +5697,7 @@
             <a:fld id="{5C1DE6E1-CB5A-410F-AE1B-A0C634280F57}" type="datetimeFigureOut">
               <a:rPr lang="en-AU" smtClean="0"/>
               <a:pPr/>
-              <a:t>16/05/16</a:t>
+              <a:t>17/05/16</a:t>
             </a:fld>
             <a:endParaRPr lang="en-AU"/>
           </a:p>
@@ -5992,7 +5869,7 @@
             <a:fld id="{5C1DE6E1-CB5A-410F-AE1B-A0C634280F57}" type="datetimeFigureOut">
               <a:rPr lang="en-AU" smtClean="0"/>
               <a:pPr/>
-              <a:t>16/05/16</a:t>
+              <a:t>17/05/16</a:t>
             </a:fld>
             <a:endParaRPr lang="en-AU"/>
           </a:p>
@@ -6240,7 +6117,7 @@
             <a:fld id="{5C1DE6E1-CB5A-410F-AE1B-A0C634280F57}" type="datetimeFigureOut">
               <a:rPr lang="en-AU" smtClean="0"/>
               <a:pPr/>
-              <a:t>16/05/16</a:t>
+              <a:t>17/05/16</a:t>
             </a:fld>
             <a:endParaRPr lang="en-AU"/>
           </a:p>
@@ -6530,7 +6407,7 @@
             <a:fld id="{5C1DE6E1-CB5A-410F-AE1B-A0C634280F57}" type="datetimeFigureOut">
               <a:rPr lang="en-AU" smtClean="0"/>
               <a:pPr/>
-              <a:t>16/05/16</a:t>
+              <a:t>17/05/16</a:t>
             </a:fld>
             <a:endParaRPr lang="en-AU"/>
           </a:p>
@@ -6954,7 +6831,7 @@
             <a:fld id="{5C1DE6E1-CB5A-410F-AE1B-A0C634280F57}" type="datetimeFigureOut">
               <a:rPr lang="en-AU" smtClean="0"/>
               <a:pPr/>
-              <a:t>16/05/16</a:t>
+              <a:t>17/05/16</a:t>
             </a:fld>
             <a:endParaRPr lang="en-AU"/>
           </a:p>
@@ -7074,7 +6951,7 @@
             <a:fld id="{5C1DE6E1-CB5A-410F-AE1B-A0C634280F57}" type="datetimeFigureOut">
               <a:rPr lang="en-AU" smtClean="0"/>
               <a:pPr/>
-              <a:t>16/05/16</a:t>
+              <a:t>17/05/16</a:t>
             </a:fld>
             <a:endParaRPr lang="en-AU"/>
           </a:p>
@@ -7171,7 +7048,7 @@
             <a:fld id="{5C1DE6E1-CB5A-410F-AE1B-A0C634280F57}" type="datetimeFigureOut">
               <a:rPr lang="en-AU" smtClean="0"/>
               <a:pPr/>
-              <a:t>16/05/16</a:t>
+              <a:t>17/05/16</a:t>
             </a:fld>
             <a:endParaRPr lang="en-AU"/>
           </a:p>
@@ -7450,7 +7327,7 @@
             <a:fld id="{5C1DE6E1-CB5A-410F-AE1B-A0C634280F57}" type="datetimeFigureOut">
               <a:rPr lang="en-AU" smtClean="0"/>
               <a:pPr/>
-              <a:t>16/05/16</a:t>
+              <a:t>17/05/16</a:t>
             </a:fld>
             <a:endParaRPr lang="en-AU"/>
           </a:p>
@@ -7705,7 +7582,7 @@
             <a:fld id="{5C1DE6E1-CB5A-410F-AE1B-A0C634280F57}" type="datetimeFigureOut">
               <a:rPr lang="en-AU" smtClean="0"/>
               <a:pPr/>
-              <a:t>16/05/16</a:t>
+              <a:t>17/05/16</a:t>
             </a:fld>
             <a:endParaRPr lang="en-AU"/>
           </a:p>
@@ -7920,7 +7797,7 @@
             <a:fld id="{5C1DE6E1-CB5A-410F-AE1B-A0C634280F57}" type="datetimeFigureOut">
               <a:rPr lang="en-AU" smtClean="0"/>
               <a:pPr/>
-              <a:t>16/05/16</a:t>
+              <a:t>17/05/16</a:t>
             </a:fld>
             <a:endParaRPr lang="en-AU"/>
           </a:p>
@@ -8968,11 +8845,7 @@
           <a:p>
             <a:r>
               <a:rPr lang="en-AU" dirty="0" smtClean="0"/>
-              <a:t>Vaccination rates need to continue to improve to reach the 95% coverage goal for herd </a:t>
-            </a:r>
-            <a:r>
-              <a:rPr lang="en-AU" dirty="0" smtClean="0"/>
-              <a:t>immunity</a:t>
+              <a:t>Vaccination rates need to continue to improve to reach the 95% coverage goal for herd immunity</a:t>
             </a:r>
             <a:r>
               <a:rPr lang="en-AU" baseline="30000" dirty="0" smtClean="0"/>
@@ -8982,7 +8855,6 @@
               <a:rPr lang="en-AU" dirty="0" smtClean="0"/>
               <a:t>.</a:t>
             </a:r>
-            <a:endParaRPr lang="en-AU" dirty="0" smtClean="0"/>
           </a:p>
           <a:p>
             <a:r>
@@ -9092,11 +8964,7 @@
             </a:r>
             <a:r>
               <a:rPr lang="en-AU" dirty="0" smtClean="0"/>
-              <a:t>ounts of immunised and non-immunised 1 year old children at the postcode </a:t>
-            </a:r>
-            <a:r>
-              <a:rPr lang="en-AU" dirty="0" smtClean="0"/>
-              <a:t>level in 2014-2015</a:t>
+              <a:t>ounts of immunised and non-immunised 1 year old children at the postcode level in 2014-2015</a:t>
             </a:r>
             <a:r>
               <a:rPr lang="en-AU" baseline="30000" dirty="0" smtClean="0"/>
@@ -9106,7 +8974,6 @@
               <a:rPr lang="en-AU" dirty="0" smtClean="0"/>
               <a:t>.</a:t>
             </a:r>
-            <a:endParaRPr lang="en-AU" dirty="0" smtClean="0"/>
           </a:p>
           <a:p>
             <a:r>
@@ -9121,11 +8988,7 @@
             </a:r>
             <a:r>
               <a:rPr lang="en-AU" dirty="0" smtClean="0"/>
-              <a:t>Postal Areas </a:t>
-            </a:r>
-            <a:r>
-              <a:rPr lang="en-AU" dirty="0" smtClean="0"/>
-              <a:t>Shapefile</a:t>
+              <a:t>Postal Areas Shapefile</a:t>
             </a:r>
             <a:r>
               <a:rPr lang="en-AU" baseline="30000" dirty="0"/>
@@ -9717,21 +9580,13 @@
             </a:r>
             <a:r>
               <a:rPr lang="en-AU" sz="2400" dirty="0" smtClean="0"/>
-              <a:t>Florida</a:t>
-            </a:r>
+              <a:t>Florida”.</a:t>
+            </a:r>
+          </a:p>
+          <a:p>
             <a:r>
               <a:rPr lang="en-AU" sz="2400" dirty="0" smtClean="0"/>
-              <a:t>”.</a:t>
-            </a:r>
-          </a:p>
-          <a:p>
-            <a:r>
-              <a:rPr lang="en-AU" sz="2400" dirty="0" smtClean="0"/>
-              <a:t>In particular, the paper aims to confirm or refute that there is “</a:t>
-            </a:r>
-            <a:r>
-              <a:rPr lang="en-AU" sz="2400" dirty="0" smtClean="0"/>
-              <a:t>the </a:t>
+              <a:t>In particular, the paper aims to confirm or refute that there is “the </a:t>
             </a:r>
             <a:r>
               <a:rPr lang="en-AU" sz="2400" dirty="0"/>
@@ -10797,11 +10652,7 @@
             </a:r>
             <a:r>
               <a:rPr lang="en-US" dirty="0" smtClean="0"/>
-              <a:t> et. </a:t>
-            </a:r>
-            <a:r>
-              <a:rPr lang="en-US" dirty="0" smtClean="0"/>
-              <a:t>al., (2012</a:t>
+              <a:t> et. al., (2012</a:t>
             </a:r>
             <a:r>
               <a:rPr lang="en-US" dirty="0"/>
@@ -11348,17 +11199,21 @@
           <a:p>
             <a:r>
               <a:rPr lang="en-AU" sz="2400" dirty="0" smtClean="0"/>
-              <a:t>Included in the dataset, is the population of 0-19 year olds in each zip code.</a:t>
-            </a:r>
-          </a:p>
-          <a:p>
+              <a:t>Included in the </a:t>
+            </a:r>
             <a:r>
               <a:rPr lang="en-AU" sz="2400" dirty="0" smtClean="0"/>
-              <a:t>There </a:t>
+              <a:t>dataset </a:t>
             </a:r>
             <a:r>
               <a:rPr lang="en-AU" sz="2400" dirty="0" smtClean="0"/>
-              <a:t>are a 983 zip code areas, with 451 areas with zero cases recorded.</a:t>
+              <a:t>is the population of 0-19 year olds in each zip code.</a:t>
+            </a:r>
+          </a:p>
+          <a:p>
+            <a:r>
+              <a:rPr lang="en-AU" sz="2400" dirty="0" smtClean="0"/>
+              <a:t>There are a 983 zip code areas, with 451 areas with zero cases recorded.</a:t>
             </a:r>
             <a:endParaRPr lang="en-AU" sz="2400" dirty="0"/>
           </a:p>
@@ -11465,7 +11320,6 @@
               <a:rPr lang="en-AU" sz="2400" dirty="0" smtClean="0"/>
               <a:t>distribution:</a:t>
             </a:r>
-            <a:endParaRPr lang="en-AU" sz="2400" dirty="0" smtClean="0"/>
           </a:p>
           <a:p>
             <a:pPr>
@@ -11550,15 +11404,7 @@
             </a:r>
             <a:r>
               <a:rPr lang="en-AU" sz="2400" dirty="0" smtClean="0"/>
-              <a:t> - </a:t>
-            </a:r>
-            <a:r>
-              <a:rPr lang="en-AU" sz="2400" dirty="0" smtClean="0"/>
-              <a:t>number </a:t>
-            </a:r>
-            <a:r>
-              <a:rPr lang="en-AU" sz="2400" dirty="0" smtClean="0"/>
-              <a:t>of cases within the </a:t>
+              <a:t> - number of cases within the </a:t>
             </a:r>
             <a:r>
               <a:rPr lang="en-AU" sz="2400" dirty="0" err="1" smtClean="0"/>
@@ -11580,19 +11426,7 @@
             </a:r>
             <a:r>
               <a:rPr lang="en-AU" sz="2400" dirty="0" smtClean="0"/>
-              <a:t> </a:t>
-            </a:r>
-            <a:r>
-              <a:rPr lang="en-AU" sz="2400" dirty="0" smtClean="0"/>
-              <a:t>- </a:t>
-            </a:r>
-            <a:r>
-              <a:rPr lang="en-AU" sz="2400" dirty="0" smtClean="0"/>
-              <a:t>number </a:t>
-            </a:r>
-            <a:r>
-              <a:rPr lang="en-AU" sz="2400" dirty="0" smtClean="0"/>
-              <a:t>of expected cases in the </a:t>
+              <a:t> - number of expected cases in the </a:t>
             </a:r>
             <a:r>
               <a:rPr lang="en-AU" sz="2400" dirty="0" err="1" smtClean="0"/>
@@ -11664,13 +11498,8 @@
             </a:r>
             <a:r>
               <a:rPr lang="en-AU" sz="2400" dirty="0" smtClean="0"/>
-              <a:t> area during the time period</a:t>
-            </a:r>
-            <a:r>
-              <a:rPr lang="en-AU" sz="2400" dirty="0" smtClean="0"/>
-              <a:t>.</a:t>
-            </a:r>
-            <a:endParaRPr lang="en-AU" sz="2400" dirty="0" smtClean="0"/>
+              <a:t> area during the time period.</a:t>
+            </a:r>
           </a:p>
         </p:txBody>
       </p:sp>
@@ -11835,15 +11664,7 @@
             </a:r>
             <a:r>
               <a:rPr lang="en-AU" sz="2400" dirty="0" smtClean="0"/>
-              <a:t> </a:t>
-            </a:r>
-            <a:r>
-              <a:rPr lang="en-AU" sz="2400" dirty="0" smtClean="0"/>
-              <a:t>is </a:t>
-            </a:r>
-            <a:r>
-              <a:rPr lang="en-AU" sz="2400" dirty="0" smtClean="0"/>
-              <a:t>the </a:t>
+              <a:t> is the </a:t>
             </a:r>
             <a:r>
               <a:rPr lang="en-AU" sz="2400" dirty="0"/>
@@ -12310,15 +12131,7 @@
             </a:r>
             <a:r>
               <a:rPr lang="en-AU" sz="2400" dirty="0" smtClean="0"/>
-              <a:t> </a:t>
-            </a:r>
-            <a:r>
-              <a:rPr lang="en-AU" sz="2400" dirty="0" smtClean="0"/>
-              <a:t>probability (with threshold c) </a:t>
-            </a:r>
-            <a:r>
-              <a:rPr lang="en-AU" sz="2400" dirty="0" smtClean="0"/>
-              <a:t>is:</a:t>
+              <a:t> probability (with threshold c) is:</a:t>
             </a:r>
           </a:p>
           <a:p>

--- a/Submission/Slides final.pptx
+++ b/Submission/Slides final.pptx
@@ -1117,7 +1117,15 @@
             </a:r>
             <a:r>
               <a:rPr lang="en-AU" baseline="0" dirty="0" smtClean="0"/>
-              <a:t> – they basically just used it as a baseline to compare the BYM and SPC models to. BYM produces a smoother pattern of risks than the SPC model.</a:t>
+              <a:t> – they basically just used </a:t>
+            </a:r>
+            <a:r>
+              <a:rPr lang="en-AU" baseline="0" smtClean="0"/>
+              <a:t>that model as </a:t>
+            </a:r>
+            <a:r>
+              <a:rPr lang="en-AU" baseline="0" dirty="0" smtClean="0"/>
+              <a:t>a baseline to compare the BYM and SPC models to. BYM produces a smoother pattern of risks than the SPC model.</a:t>
             </a:r>
           </a:p>
           <a:p>
@@ -4625,7 +4633,40 @@
                 <a:ea typeface="+mn-ea"/>
                 <a:cs typeface="+mn-cs"/>
               </a:rPr>
-              <a:t>They used Monte-Carlo Markov Chain sampling, with a sample size of 10000. The Brooks-</a:t>
+              <a:t>They used the </a:t>
+            </a:r>
+            <a:r>
+              <a:rPr lang="en-AU" sz="1200" b="0" i="0" u="none" strike="noStrike" kern="1200" baseline="0" dirty="0" err="1" smtClean="0">
+                <a:solidFill>
+                  <a:schemeClr val="tx1"/>
+                </a:solidFill>
+                <a:latin typeface="+mn-lt"/>
+                <a:ea typeface="+mn-ea"/>
+                <a:cs typeface="+mn-cs"/>
+              </a:rPr>
+              <a:t>OpenBUGS</a:t>
+            </a:r>
+            <a:r>
+              <a:rPr lang="en-AU" sz="1200" b="0" i="0" u="none" strike="noStrike" kern="1200" baseline="0" dirty="0" smtClean="0">
+                <a:solidFill>
+                  <a:schemeClr val="tx1"/>
+                </a:solidFill>
+                <a:latin typeface="+mn-lt"/>
+                <a:ea typeface="+mn-ea"/>
+                <a:cs typeface="+mn-cs"/>
+              </a:rPr>
+              <a:t> software to generate their models. No code was provided with the article. They </a:t>
+            </a:r>
+            <a:r>
+              <a:rPr lang="en-AU" sz="1200" b="0" i="0" u="none" strike="noStrike" kern="1200" baseline="0" dirty="0" smtClean="0">
+                <a:solidFill>
+                  <a:schemeClr val="tx1"/>
+                </a:solidFill>
+                <a:latin typeface="+mn-lt"/>
+                <a:ea typeface="+mn-ea"/>
+                <a:cs typeface="+mn-cs"/>
+              </a:rPr>
+              <a:t>used Monte-Carlo Markov Chain sampling, with a sample size of 10000. The Brooks-</a:t>
             </a:r>
             <a:r>
               <a:rPr lang="en-AU" sz="1200" b="0" i="0" u="none" strike="noStrike" kern="1200" baseline="0" dirty="0" err="1" smtClean="0">

--- a/Submission/Slides final.pptx
+++ b/Submission/Slides final.pptx
@@ -17,10 +17,10 @@
     <p:sldId id="269" r:id="rId8"/>
     <p:sldId id="267" r:id="rId9"/>
     <p:sldId id="277" r:id="rId10"/>
-    <p:sldId id="264" r:id="rId11"/>
-    <p:sldId id="275" r:id="rId12"/>
-    <p:sldId id="276" r:id="rId13"/>
-    <p:sldId id="268" r:id="rId14"/>
+    <p:sldId id="268" r:id="rId11"/>
+    <p:sldId id="264" r:id="rId12"/>
+    <p:sldId id="275" r:id="rId13"/>
+    <p:sldId id="276" r:id="rId14"/>
     <p:sldId id="271" r:id="rId15"/>
     <p:sldId id="273" r:id="rId16"/>
     <p:sldId id="274" r:id="rId17"/>
@@ -619,84 +619,111 @@
           <a:bodyPr/>
           <a:lstStyle/>
           <a:p>
+            <a:endParaRPr lang="en-AU" dirty="0" smtClean="0"/>
+          </a:p>
+          <a:p>
             <a:r>
               <a:rPr lang="en-AU" dirty="0" smtClean="0"/>
-              <a:t>These</a:t>
+              <a:t>They </a:t>
+            </a:r>
+            <a:r>
+              <a:rPr lang="en-AU" dirty="0" smtClean="0"/>
+              <a:t>didn’t do all of the extra tests for the SMR model</a:t>
             </a:r>
             <a:r>
               <a:rPr lang="en-AU" baseline="0" dirty="0" smtClean="0"/>
-              <a:t> maps show the different models values of the relative risk of cancer in each of the zip code areas. </a:t>
-            </a:r>
-          </a:p>
-          <a:p>
+              <a:t> – they basically just used </a:t>
+            </a:r>
             <a:r>
               <a:rPr lang="en-AU" baseline="0" dirty="0" smtClean="0"/>
-              <a:t>“</a:t>
-            </a:r>
-            <a:r>
-              <a:rPr lang="en-AU" sz="1200" b="0" i="0" u="none" strike="noStrike" kern="1200" baseline="0" dirty="0" smtClean="0">
-                <a:solidFill>
-                  <a:schemeClr val="tx1"/>
-                </a:solidFill>
-                <a:latin typeface="+mn-lt"/>
-                <a:ea typeface="+mn-ea"/>
-                <a:cs typeface="+mn-cs"/>
-              </a:rPr>
-              <a:t>In the SMR map, we can see aggregated risks in the middle of the state and some apparent hot spots scattered over the northeast and along the coasts”</a:t>
-            </a:r>
-          </a:p>
-          <a:p>
-            <a:r>
-              <a:rPr lang="en-AU" sz="1200" b="0" i="0" u="none" strike="noStrike" kern="1200" baseline="0" dirty="0" smtClean="0">
-                <a:solidFill>
-                  <a:schemeClr val="tx1"/>
-                </a:solidFill>
-                <a:latin typeface="+mn-lt"/>
-                <a:ea typeface="+mn-ea"/>
-                <a:cs typeface="+mn-cs"/>
-              </a:rPr>
-              <a:t>In the BYM map we can still see the cluster in the north east and a clustering in the middle of the state and more hotspots along the coastal areas and north and also quite a few more with a relative risk of greater than one.</a:t>
-            </a:r>
-          </a:p>
-          <a:p>
-            <a:pPr marL="0" marR="0" indent="0" algn="l" defTabSz="914400" rtl="0" eaLnBrk="1" fontAlgn="auto" latinLnBrk="0" hangingPunct="1">
-              <a:lnSpc>
-                <a:spcPct val="100000"/>
-              </a:lnSpc>
-              <a:spcBef>
-                <a:spcPts val="0"/>
-              </a:spcBef>
-              <a:spcAft>
-                <a:spcPts val="0"/>
-              </a:spcAft>
-              <a:buClrTx/>
-              <a:buSzTx/>
-              <a:buFontTx/>
-              <a:buNone/>
-              <a:tabLst/>
-              <a:defRPr/>
-            </a:pPr>
-            <a:r>
-              <a:rPr lang="en-AU" sz="1200" b="0" i="0" u="none" strike="noStrike" kern="1200" baseline="0" dirty="0" smtClean="0">
-                <a:solidFill>
-                  <a:schemeClr val="tx1"/>
-                </a:solidFill>
-                <a:latin typeface="+mn-lt"/>
-                <a:ea typeface="+mn-ea"/>
-                <a:cs typeface="+mn-cs"/>
-              </a:rPr>
-              <a:t>In the SPC map we can still see the cluster in the north east and a clustering in the middle of the state and more hotspots along the coastal areas and north and also quite a few more with a relative risk of greater than one, quite a few more than the BYM map..</a:t>
-            </a:r>
-          </a:p>
-          <a:p>
-            <a:endParaRPr lang="en-AU" sz="1200" b="0" i="0" u="none" strike="noStrike" kern="1200" baseline="0" dirty="0" smtClean="0">
-              <a:solidFill>
-                <a:schemeClr val="tx1"/>
-              </a:solidFill>
-              <a:latin typeface="+mn-lt"/>
-              <a:ea typeface="+mn-ea"/>
-              <a:cs typeface="+mn-cs"/>
-            </a:endParaRPr>
+              <a:t>that model as </a:t>
+            </a:r>
+            <a:r>
+              <a:rPr lang="en-AU" baseline="0" dirty="0" smtClean="0"/>
+              <a:t>a baseline to compare the BYM and SPC models to. BYM produces a smoother pattern of risks than the SPC model.</a:t>
+            </a:r>
+          </a:p>
+          <a:p>
+            <a:endParaRPr lang="en-AU" baseline="0" dirty="0" smtClean="0"/>
+          </a:p>
+          <a:p>
+            <a:r>
+              <a:rPr lang="en-AU" baseline="0" dirty="0" smtClean="0"/>
+              <a:t>The </a:t>
+            </a:r>
+            <a:r>
+              <a:rPr lang="en-AU" baseline="0" dirty="0" smtClean="0"/>
+              <a:t>SPC </a:t>
+            </a:r>
+            <a:r>
+              <a:rPr lang="en-AU" baseline="0" dirty="0" smtClean="0"/>
+              <a:t>model has the lower DIC, WAIC and MSPE. It </a:t>
+            </a:r>
+            <a:r>
+              <a:rPr lang="en-AU" baseline="0" dirty="0" smtClean="0"/>
+              <a:t>is better than the BYM model by a decent amount, besides the MSPE, in which there are basically the same</a:t>
+            </a:r>
+            <a:r>
+              <a:rPr lang="en-AU" baseline="0" dirty="0" smtClean="0"/>
+              <a:t>. This is evidence that the SPC model fits the data better.</a:t>
+            </a:r>
+          </a:p>
+          <a:p>
+            <a:endParaRPr lang="en-AU" baseline="0" dirty="0" smtClean="0"/>
+          </a:p>
+          <a:p>
+            <a:r>
+              <a:rPr lang="en-AU" baseline="0" dirty="0" smtClean="0"/>
+              <a:t>Only marginally better at predicting future data – according to the MSPE.</a:t>
+            </a:r>
+            <a:endParaRPr lang="en-AU" baseline="0" dirty="0" smtClean="0"/>
+          </a:p>
+          <a:p>
+            <a:endParaRPr lang="en-AU" dirty="0" smtClean="0"/>
+          </a:p>
+          <a:p>
+            <a:r>
+              <a:rPr lang="en-AU" dirty="0" smtClean="0"/>
+              <a:t>The</a:t>
+            </a:r>
+            <a:r>
+              <a:rPr lang="en-AU" baseline="0" dirty="0" smtClean="0"/>
+              <a:t> overall variation of risk is similar in the three models. </a:t>
+            </a:r>
+            <a:r>
+              <a:rPr lang="en-AU" dirty="0" smtClean="0"/>
+              <a:t>Smoother risk estimates</a:t>
+            </a:r>
+            <a:r>
+              <a:rPr lang="en-AU" baseline="0" dirty="0" smtClean="0"/>
+              <a:t> - smoother pattern - </a:t>
+            </a:r>
+            <a:r>
+              <a:rPr lang="en-AU" dirty="0" smtClean="0"/>
+              <a:t> i.e. not as large jumps between relative risk factors of neighbours.</a:t>
+            </a:r>
+          </a:p>
+          <a:p>
+            <a:endParaRPr lang="en-AU" dirty="0" smtClean="0"/>
+          </a:p>
+          <a:p>
+            <a:r>
+              <a:rPr lang="en-AU" dirty="0" smtClean="0"/>
+              <a:t>We don’t have time to talk about the </a:t>
+            </a:r>
+            <a:r>
+              <a:rPr lang="en-AU" dirty="0" err="1" smtClean="0"/>
+              <a:t>exceedence</a:t>
+            </a:r>
+            <a:r>
+              <a:rPr lang="en-AU" dirty="0" smtClean="0"/>
+              <a:t> probabilities</a:t>
+            </a:r>
+            <a:r>
+              <a:rPr lang="en-AU" baseline="0" dirty="0" smtClean="0"/>
+              <a:t>.</a:t>
+            </a:r>
+            <a:endParaRPr lang="en-AU" dirty="0"/>
           </a:p>
         </p:txBody>
       </p:sp>
@@ -727,7 +754,7 @@
     </p:spTree>
     <p:extLst>
       <p:ext uri="{BB962C8B-B14F-4D97-AF65-F5344CB8AC3E}">
-        <p14:creationId xmlns:p14="http://schemas.microsoft.com/office/powerpoint/2010/main" val="1061400037"/>
+        <p14:creationId xmlns:p14="http://schemas.microsoft.com/office/powerpoint/2010/main" val="3587996171"/>
       </p:ext>
     </p:extLst>
   </p:cSld>
@@ -783,6 +810,15 @@
           <a:p>
             <a:r>
               <a:rPr lang="en-AU" dirty="0" smtClean="0"/>
+              <a:t>Apparently, according to the authors, you can see clustering, but the maps they provided are not particularly good.</a:t>
+            </a:r>
+          </a:p>
+          <a:p>
+            <a:endParaRPr lang="en-AU" dirty="0" smtClean="0"/>
+          </a:p>
+          <a:p>
+            <a:r>
+              <a:rPr lang="en-AU" dirty="0" smtClean="0"/>
               <a:t>These</a:t>
             </a:r>
             <a:r>
@@ -847,7 +883,7 @@
                 <a:ea typeface="+mn-ea"/>
                 <a:cs typeface="+mn-cs"/>
               </a:rPr>
-              <a:t>In the SPC map we can still see the cluster in the north east and a clustering in the middle of the state and more hotspots along the coastal areas and north and also quite a few more with a relative risk of greater than one, quite a few more than the BYM map..</a:t>
+              <a:t>In the SPC map – basically the same as the BYM map – we can still see the cluster in the north east and a clustering in the middle of the state and more hotspots along the coastal areas and north and also quite a few more with a relative risk of greater than one, quite a few more than the BYM map.</a:t>
             </a:r>
           </a:p>
           <a:p>
@@ -860,9 +896,6 @@
               <a:cs typeface="+mn-cs"/>
             </a:endParaRPr>
           </a:p>
-          <a:p>
-            <a:endParaRPr lang="en-AU" dirty="0"/>
-          </a:p>
         </p:txBody>
       </p:sp>
       <p:sp>
@@ -892,7 +925,7 @@
     </p:spTree>
     <p:extLst>
       <p:ext uri="{BB962C8B-B14F-4D97-AF65-F5344CB8AC3E}">
-        <p14:creationId xmlns:p14="http://schemas.microsoft.com/office/powerpoint/2010/main" val="3069398633"/>
+        <p14:creationId xmlns:p14="http://schemas.microsoft.com/office/powerpoint/2010/main" val="1061400037"/>
       </p:ext>
     </p:extLst>
   </p:cSld>
@@ -1012,10 +1045,41 @@
                 <a:ea typeface="+mn-ea"/>
                 <a:cs typeface="+mn-cs"/>
               </a:rPr>
-              <a:t>In the SPC map we can still see the cluster in the north east and a clustering in the middle of the state and more hotspots along the coastal areas and north and also quite a few more with a relative risk of greater than one, quite a few more than the BYM map..</a:t>
-            </a:r>
-          </a:p>
-          <a:p>
+              <a:t>In the SPC </a:t>
+            </a:r>
+            <a:r>
+              <a:rPr lang="en-AU" sz="1200" b="0" i="0" u="none" strike="noStrike" kern="1200" baseline="0" dirty="0" smtClean="0">
+                <a:solidFill>
+                  <a:schemeClr val="tx1"/>
+                </a:solidFill>
+                <a:latin typeface="+mn-lt"/>
+                <a:ea typeface="+mn-ea"/>
+                <a:cs typeface="+mn-cs"/>
+              </a:rPr>
+              <a:t>map – basically the same as the BYM map – </a:t>
+            </a:r>
+            <a:r>
+              <a:rPr lang="en-AU" sz="1200" b="0" i="0" u="none" strike="noStrike" kern="1200" baseline="0" dirty="0" smtClean="0">
+                <a:solidFill>
+                  <a:schemeClr val="tx1"/>
+                </a:solidFill>
+                <a:latin typeface="+mn-lt"/>
+                <a:ea typeface="+mn-ea"/>
+                <a:cs typeface="+mn-cs"/>
+              </a:rPr>
+              <a:t>we can still see the cluster in the north east and a clustering in the middle of the state and more hotspots along the coastal areas and north and also quite a few more with a relative risk of greater than one, quite a few more than the BYM map</a:t>
+            </a:r>
+            <a:r>
+              <a:rPr lang="en-AU" sz="1200" b="0" i="0" u="none" strike="noStrike" kern="1200" baseline="0" dirty="0" smtClean="0">
+                <a:solidFill>
+                  <a:schemeClr val="tx1"/>
+                </a:solidFill>
+                <a:latin typeface="+mn-lt"/>
+                <a:ea typeface="+mn-ea"/>
+                <a:cs typeface="+mn-cs"/>
+              </a:rPr>
+              <a:t>.</a:t>
+            </a:r>
             <a:endParaRPr lang="en-AU" sz="1200" b="0" i="0" u="none" strike="noStrike" kern="1200" baseline="0" dirty="0" smtClean="0">
               <a:solidFill>
                 <a:schemeClr val="tx1"/>
@@ -1026,6 +1090,16 @@
             </a:endParaRPr>
           </a:p>
           <a:p>
+            <a:endParaRPr lang="en-AU" sz="1200" b="0" i="0" u="none" strike="noStrike" kern="1200" baseline="0" dirty="0" smtClean="0">
+              <a:solidFill>
+                <a:schemeClr val="tx1"/>
+              </a:solidFill>
+              <a:latin typeface="+mn-lt"/>
+              <a:ea typeface="+mn-ea"/>
+              <a:cs typeface="+mn-cs"/>
+            </a:endParaRPr>
+          </a:p>
+          <a:p>
             <a:endParaRPr lang="en-AU" dirty="0"/>
           </a:p>
         </p:txBody>
@@ -1057,7 +1131,7 @@
     </p:spTree>
     <p:extLst>
       <p:ext uri="{BB962C8B-B14F-4D97-AF65-F5344CB8AC3E}">
-        <p14:creationId xmlns:p14="http://schemas.microsoft.com/office/powerpoint/2010/main" val="3334557408"/>
+        <p14:creationId xmlns:p14="http://schemas.microsoft.com/office/powerpoint/2010/main" val="3069398633"/>
       </p:ext>
     </p:extLst>
   </p:cSld>
@@ -1113,29 +1187,80 @@
           <a:p>
             <a:r>
               <a:rPr lang="en-AU" dirty="0" smtClean="0"/>
-              <a:t>They didn’t do all of the extra tests for the SMR model</a:t>
+              <a:t>These</a:t>
             </a:r>
             <a:r>
               <a:rPr lang="en-AU" baseline="0" dirty="0" smtClean="0"/>
-              <a:t> – they basically just used </a:t>
-            </a:r>
-            <a:r>
-              <a:rPr lang="en-AU" baseline="0" smtClean="0"/>
-              <a:t>that model as </a:t>
-            </a:r>
+              <a:t> maps show the different models values of the relative risk of cancer in each of the zip code areas. </a:t>
+            </a:r>
+          </a:p>
+          <a:p>
             <a:r>
               <a:rPr lang="en-AU" baseline="0" dirty="0" smtClean="0"/>
-              <a:t>a baseline to compare the BYM and SPC models to. BYM produces a smoother pattern of risks than the SPC model.</a:t>
-            </a:r>
-          </a:p>
-          <a:p>
-            <a:r>
-              <a:rPr lang="en-AU" baseline="0" dirty="0" smtClean="0"/>
-              <a:t>The SPC model is better than the BYM model by a decent amount, besides the MSPE, in which there are basically the same.</a:t>
-            </a:r>
-          </a:p>
-          <a:p>
-            <a:endParaRPr lang="en-AU" dirty="0"/>
+              <a:t>“</a:t>
+            </a:r>
+            <a:r>
+              <a:rPr lang="en-AU" sz="1200" b="0" i="0" u="none" strike="noStrike" kern="1200" baseline="0" dirty="0" smtClean="0">
+                <a:solidFill>
+                  <a:schemeClr val="tx1"/>
+                </a:solidFill>
+                <a:latin typeface="+mn-lt"/>
+                <a:ea typeface="+mn-ea"/>
+                <a:cs typeface="+mn-cs"/>
+              </a:rPr>
+              <a:t>In the SMR map, we can see aggregated risks in the middle of the state and some apparent hot spots scattered over the northeast and along the coasts”</a:t>
+            </a:r>
+          </a:p>
+          <a:p>
+            <a:r>
+              <a:rPr lang="en-AU" sz="1200" b="0" i="0" u="none" strike="noStrike" kern="1200" baseline="0" dirty="0" smtClean="0">
+                <a:solidFill>
+                  <a:schemeClr val="tx1"/>
+                </a:solidFill>
+                <a:latin typeface="+mn-lt"/>
+                <a:ea typeface="+mn-ea"/>
+                <a:cs typeface="+mn-cs"/>
+              </a:rPr>
+              <a:t>In the BYM map we can still see the cluster in the north east and a clustering in the middle of the state and more hotspots along the coastal areas and north and also quite a few more with a relative risk of greater than one.</a:t>
+            </a:r>
+          </a:p>
+          <a:p>
+            <a:pPr marL="0" marR="0" indent="0" algn="l" defTabSz="914400" rtl="0" eaLnBrk="1" fontAlgn="auto" latinLnBrk="0" hangingPunct="1">
+              <a:lnSpc>
+                <a:spcPct val="100000"/>
+              </a:lnSpc>
+              <a:spcBef>
+                <a:spcPts val="0"/>
+              </a:spcBef>
+              <a:spcAft>
+                <a:spcPts val="0"/>
+              </a:spcAft>
+              <a:buClrTx/>
+              <a:buSzTx/>
+              <a:buFontTx/>
+              <a:buNone/>
+              <a:tabLst/>
+              <a:defRPr/>
+            </a:pPr>
+            <a:r>
+              <a:rPr lang="en-AU" sz="1200" b="0" i="0" u="none" strike="noStrike" kern="1200" baseline="0" dirty="0" smtClean="0">
+                <a:solidFill>
+                  <a:schemeClr val="tx1"/>
+                </a:solidFill>
+                <a:latin typeface="+mn-lt"/>
+                <a:ea typeface="+mn-ea"/>
+                <a:cs typeface="+mn-cs"/>
+              </a:rPr>
+              <a:t>In the SPC map – basically the same as the BYM map – we can still see the cluster in the north east and a clustering in the middle of the state and more hotspots along the coastal areas and north and also quite a few more with a relative risk of greater than one, quite a few more than the BYM map.</a:t>
+            </a:r>
+            <a:endParaRPr lang="en-AU" sz="1200" b="0" i="0" u="none" strike="noStrike" kern="1200" baseline="0" dirty="0" smtClean="0">
+              <a:solidFill>
+                <a:schemeClr val="tx1"/>
+              </a:solidFill>
+              <a:latin typeface="+mn-lt"/>
+              <a:ea typeface="+mn-ea"/>
+              <a:cs typeface="+mn-cs"/>
+            </a:endParaRPr>
           </a:p>
         </p:txBody>
       </p:sp>
@@ -1166,7 +1291,7 @@
     </p:spTree>
     <p:extLst>
       <p:ext uri="{BB962C8B-B14F-4D97-AF65-F5344CB8AC3E}">
-        <p14:creationId xmlns:p14="http://schemas.microsoft.com/office/powerpoint/2010/main" val="3587996171"/>
+        <p14:creationId xmlns:p14="http://schemas.microsoft.com/office/powerpoint/2010/main" val="3334557408"/>
       </p:ext>
     </p:extLst>
   </p:cSld>
@@ -1789,6 +1914,28 @@
               <a:rPr lang="en-US" dirty="0" smtClean="0"/>
               <a:t> Max.   :0.46296 </a:t>
             </a:r>
+            <a:endParaRPr lang="en-US" dirty="0" smtClean="0"/>
+          </a:p>
+          <a:p>
+            <a:endParaRPr lang="en-US" dirty="0" smtClean="0"/>
+          </a:p>
+          <a:p>
+            <a:r>
+              <a:rPr lang="en-US" dirty="0" smtClean="0"/>
+              <a:t>Mention no zero counts. Mention</a:t>
+            </a:r>
+            <a:r>
+              <a:rPr lang="en-US" baseline="0" dirty="0" smtClean="0"/>
+              <a:t> this is a proportion of non-</a:t>
+            </a:r>
+            <a:r>
+              <a:rPr lang="en-US" baseline="0" dirty="0" err="1" smtClean="0"/>
+              <a:t>immunised</a:t>
+            </a:r>
+            <a:r>
+              <a:rPr lang="en-US" baseline="0" dirty="0" smtClean="0"/>
+              <a:t> in each post code. </a:t>
+            </a:r>
             <a:endParaRPr lang="en-US" dirty="0"/>
           </a:p>
         </p:txBody>
@@ -2319,7 +2466,63 @@
               <a:rPr lang="en-US" dirty="0" smtClean="0"/>
               <a:t>Show them some of the links – look around the maps a bit. </a:t>
             </a:r>
-            <a:endParaRPr lang="en-US" dirty="0"/>
+            <a:endParaRPr lang="en-US" dirty="0" smtClean="0"/>
+          </a:p>
+          <a:p>
+            <a:endParaRPr lang="en-US" dirty="0" smtClean="0"/>
+          </a:p>
+          <a:p>
+            <a:r>
+              <a:rPr lang="en-US" dirty="0" smtClean="0"/>
+              <a:t>All</a:t>
+            </a:r>
+            <a:r>
+              <a:rPr lang="en-US" baseline="0" dirty="0" smtClean="0"/>
+              <a:t> of our results are online on the web for you to look at. We will highlight some major results as follows. We don’t have time to go into all the results.</a:t>
+            </a:r>
+            <a:endParaRPr lang="en-US" dirty="0" smtClean="0"/>
+          </a:p>
+          <a:p>
+            <a:endParaRPr lang="en-US" dirty="0" smtClean="0"/>
+          </a:p>
+          <a:p>
+            <a:pPr marL="0" marR="0" indent="0" algn="l" defTabSz="914400" rtl="0" eaLnBrk="1" fontAlgn="auto" latinLnBrk="0" hangingPunct="1">
+              <a:lnSpc>
+                <a:spcPct val="100000"/>
+              </a:lnSpc>
+              <a:spcBef>
+                <a:spcPts val="0"/>
+              </a:spcBef>
+              <a:spcAft>
+                <a:spcPts val="0"/>
+              </a:spcAft>
+              <a:buClrTx/>
+              <a:buSzTx/>
+              <a:buFontTx/>
+              <a:buNone/>
+              <a:tabLst/>
+              <a:defRPr/>
+            </a:pPr>
+            <a:r>
+              <a:rPr lang="en-US" dirty="0" smtClean="0"/>
+              <a:t>We also mapped the </a:t>
+            </a:r>
+            <a:r>
+              <a:rPr lang="en-US" dirty="0" err="1" smtClean="0"/>
+              <a:t>exceedence</a:t>
+            </a:r>
+            <a:r>
+              <a:rPr lang="en-US" dirty="0" smtClean="0"/>
+              <a:t> probabilities for each of the two models.</a:t>
+            </a:r>
+            <a:r>
+              <a:rPr lang="en-US" baseline="0" dirty="0" smtClean="0"/>
+              <a:t> </a:t>
+            </a:r>
+            <a:r>
+              <a:rPr lang="en-AU" dirty="0" smtClean="0"/>
+              <a:t>We don’t have time to talk about this.</a:t>
+            </a:r>
           </a:p>
         </p:txBody>
       </p:sp>
@@ -3009,7 +3212,11 @@
             </a:r>
             <a:r>
               <a:rPr lang="en-GB" baseline="0" noProof="0" dirty="0" smtClean="0"/>
-              <a:t> mentioned previously the DIC and WAIC are ‘measure of fit’ estimates to consider the performance of our models. As suspected when considering how similar the results between the two models where the performance is also very similar. The BYM model do have a better fit, but the difference seems negligible. </a:t>
+              <a:t> mentioned previously the DIC and WAIC are ‘measure of fit’ estimates to consider the performance of our models. As suspected when considering how similar the results between the two models where the performance is also very similar. The BYM model do have a better fit, but the difference seems </a:t>
+            </a:r>
+            <a:r>
+              <a:rPr lang="en-GB" baseline="0" noProof="0" dirty="0" smtClean="0"/>
+              <a:t>small. </a:t>
             </a:r>
             <a:endParaRPr lang="en-GB" noProof="0" dirty="0"/>
           </a:p>
@@ -3325,6 +3532,53 @@
               <a:rPr lang="en-AU" baseline="0" dirty="0" smtClean="0"/>
               <a:t> code areas with zero cases may pose a problem. In particular, Poisson models generally have a </a:t>
             </a:r>
+            <a:r>
+              <a:rPr lang="en-AU" baseline="0" dirty="0" smtClean="0"/>
+              <a:t>problem modelling large numbers of zero-counts. But large numbers of zero-counts are common in incidences of rare diseases, like paediatric brain cancer.</a:t>
+            </a:r>
+          </a:p>
+          <a:p>
+            <a:pPr marL="0" marR="0" indent="0" algn="l" defTabSz="914400" rtl="0" eaLnBrk="1" fontAlgn="auto" latinLnBrk="0" hangingPunct="1">
+              <a:lnSpc>
+                <a:spcPct val="100000"/>
+              </a:lnSpc>
+              <a:spcBef>
+                <a:spcPts val="0"/>
+              </a:spcBef>
+              <a:spcAft>
+                <a:spcPts val="0"/>
+              </a:spcAft>
+              <a:buClrTx/>
+              <a:buSzTx/>
+              <a:buFontTx/>
+              <a:buNone/>
+              <a:tabLst/>
+              <a:defRPr/>
+            </a:pPr>
+            <a:endParaRPr lang="en-AU" baseline="0" dirty="0" smtClean="0"/>
+          </a:p>
+          <a:p>
+            <a:pPr marL="0" marR="0" indent="0" algn="l" defTabSz="914400" rtl="0" eaLnBrk="1" fontAlgn="auto" latinLnBrk="0" hangingPunct="1">
+              <a:lnSpc>
+                <a:spcPct val="100000"/>
+              </a:lnSpc>
+              <a:spcBef>
+                <a:spcPts val="0"/>
+              </a:spcBef>
+              <a:spcAft>
+                <a:spcPts val="0"/>
+              </a:spcAft>
+              <a:buClrTx/>
+              <a:buSzTx/>
+              <a:buFontTx/>
+              <a:buNone/>
+              <a:tabLst/>
+              <a:defRPr/>
+            </a:pPr>
+            <a:r>
+              <a:rPr lang="en-AU" baseline="0" dirty="0" smtClean="0"/>
+              <a:t>They didn’t provide any visualisations of the data.</a:t>
+            </a:r>
             <a:endParaRPr lang="en-AU" dirty="0" smtClean="0"/>
           </a:p>
           <a:p>
@@ -3932,34 +4186,34 @@
               <a:defRPr/>
             </a:pPr>
             <a:r>
-              <a:rPr lang="en-AU" sz="1200" dirty="0" smtClean="0"/>
+              <a:rPr lang="en-AU" sz="1200" dirty="0"/>
               <a:t>For rare</a:t>
             </a:r>
             <a:r>
-              <a:rPr lang="en-AU" sz="1200" baseline="0" dirty="0" smtClean="0"/>
+              <a:rPr lang="en-AU" sz="1200" baseline="0" dirty="0"/>
               <a:t> diseases in small areas, it can be difficult to estimate the relative risk factor </a:t>
             </a:r>
             <a:r>
-              <a:rPr lang="el-GR" sz="1200" dirty="0" smtClean="0"/>
+              <a:rPr lang="el-GR" sz="1200" dirty="0"/>
               <a:t>θ</a:t>
             </a:r>
             <a:r>
-              <a:rPr lang="en-AU" sz="1200" baseline="-25000" dirty="0" err="1" smtClean="0"/>
+              <a:rPr lang="en-AU" sz="1200" baseline="-25000" dirty="0" err="1"/>
               <a:t>i</a:t>
             </a:r>
             <a:r>
-              <a:rPr lang="en-AU" sz="1200" baseline="0" dirty="0" smtClean="0"/>
+              <a:rPr lang="en-AU" sz="1200" baseline="0" dirty="0"/>
               <a:t>. In this case, it is useful to borrow information from neighbouring areas. This is what the </a:t>
             </a:r>
             <a:r>
-              <a:rPr lang="en-AU" sz="1200" baseline="0" dirty="0" err="1" smtClean="0"/>
+              <a:rPr lang="en-AU" sz="1200" baseline="0" dirty="0" err="1"/>
               <a:t>Besag</a:t>
             </a:r>
             <a:r>
-              <a:rPr lang="en-AU" sz="1200" baseline="0" dirty="0" smtClean="0"/>
+              <a:rPr lang="en-AU" sz="1200" baseline="0" dirty="0"/>
               <a:t>, York and Mollie model attempts to do.</a:t>
             </a:r>
-            <a:endParaRPr lang="en-AU" sz="1200" dirty="0" smtClean="0"/>
+            <a:endParaRPr lang="en-AU" sz="1200" dirty="0"/>
           </a:p>
           <a:p>
             <a:pPr marL="0" marR="0" indent="0" algn="l" defTabSz="914400" rtl="0" eaLnBrk="1" fontAlgn="auto" latinLnBrk="0" hangingPunct="1">
@@ -3979,7 +4233,7 @@
               <a:tabLst/>
               <a:defRPr/>
             </a:pPr>
-            <a:endParaRPr lang="en-AU" sz="1200" dirty="0" smtClean="0"/>
+            <a:endParaRPr lang="en-AU" sz="1200" dirty="0"/>
           </a:p>
           <a:p>
             <a:pPr marL="0" marR="0" indent="0" algn="l" defTabSz="914400" rtl="0" eaLnBrk="1" fontAlgn="auto" latinLnBrk="0" hangingPunct="1">
@@ -4000,19 +4254,35 @@
               <a:defRPr/>
             </a:pPr>
             <a:r>
-              <a:rPr lang="en-AU" sz="1200" dirty="0" smtClean="0"/>
-              <a:t>This is a </a:t>
-            </a:r>
-            <a:r>
-              <a:rPr lang="en-AU" sz="1200" dirty="0" smtClean="0"/>
-              <a:t>hierarchical/multilevel</a:t>
-            </a:r>
-            <a:r>
-              <a:rPr lang="en-AU" sz="1200" baseline="0" dirty="0" smtClean="0"/>
-              <a:t> model – main formula is the log of relative risk.</a:t>
-            </a:r>
-            <a:r>
-              <a:rPr lang="en-AU" sz="1200" b="0" i="0" u="none" strike="noStrike" kern="1200" baseline="0" dirty="0" smtClean="0">
+              <a:rPr lang="en-AU" sz="1200" dirty="0"/>
+              <a:t>This is a hierarchical/multilevel</a:t>
+            </a:r>
+            <a:r>
+              <a:rPr lang="en-AU" sz="1200" baseline="0" dirty="0"/>
+              <a:t> model </a:t>
+            </a:r>
+            <a:r>
+              <a:rPr lang="en-AU" sz="1200" baseline="0"/>
+              <a:t>– </a:t>
+            </a:r>
+            <a:r>
+              <a:rPr lang="en-AU"/>
+              <a:t>the</a:t>
+            </a:r>
+            <a:r>
+              <a:rPr lang="en-AU"/>
+              <a:t> </a:t>
+            </a:r>
+            <a:r>
+              <a:rPr lang="en-AU" sz="1200" baseline="0"/>
+              <a:t>main </a:t>
+            </a:r>
+            <a:r>
+              <a:rPr lang="en-AU" sz="1200" baseline="0" dirty="0"/>
+              <a:t>formula is the log of relative risk.</a:t>
+            </a:r>
+            <a:r>
+              <a:rPr lang="en-AU" sz="1200" b="0" i="0" u="none" strike="noStrike" kern="1200" baseline="0" dirty="0">
                 <a:solidFill>
                   <a:schemeClr val="tx1"/>
                 </a:solidFill>
@@ -4022,7 +4292,7 @@
               </a:rPr>
               <a:t> The regression coefficients are themselves given a model, whose parameters are also estimated from data.</a:t>
             </a:r>
-            <a:endParaRPr lang="en-AU" sz="1200" baseline="0" dirty="0" smtClean="0"/>
+            <a:endParaRPr lang="en-AU" sz="1200" baseline="0" dirty="0"/>
           </a:p>
           <a:p>
             <a:pPr marL="0" marR="0" indent="0" algn="l" defTabSz="914400" rtl="0" eaLnBrk="1" fontAlgn="auto" latinLnBrk="0" hangingPunct="1">
@@ -4042,7 +4312,7 @@
               <a:tabLst/>
               <a:defRPr/>
             </a:pPr>
-            <a:endParaRPr lang="en-AU" sz="1200" baseline="0" dirty="0" smtClean="0"/>
+            <a:endParaRPr lang="en-AU" sz="1200" baseline="0" dirty="0"/>
           </a:p>
           <a:p>
             <a:pPr marL="0" marR="0" indent="0" algn="l" defTabSz="914400" rtl="0" eaLnBrk="1" fontAlgn="auto" latinLnBrk="0" hangingPunct="1">
@@ -4063,14 +4333,10 @@
               <a:defRPr/>
             </a:pPr>
             <a:r>
-              <a:rPr lang="en-AU" sz="1200" baseline="0" dirty="0" smtClean="0"/>
-              <a:t>This </a:t>
-            </a:r>
-            <a:r>
-              <a:rPr lang="en-AU" sz="1200" baseline="0" dirty="0" smtClean="0"/>
-              <a:t>is a Bayesian model. Neighbourhood information is included as a random effect.</a:t>
-            </a:r>
-            <a:endParaRPr lang="en-AU" sz="1200" dirty="0" smtClean="0"/>
+              <a:rPr lang="en-AU" sz="1200" baseline="0" dirty="0"/>
+              <a:t>This is a Bayesian model. Neighbourhood information is included as a random effect.</a:t>
+            </a:r>
+            <a:endParaRPr lang="en-AU" sz="1200" dirty="0"/>
           </a:p>
           <a:p>
             <a:pPr marL="0" marR="0" indent="0" algn="l" defTabSz="914400" rtl="0" eaLnBrk="1" fontAlgn="auto" latinLnBrk="0" hangingPunct="1">
@@ -4090,7 +4356,7 @@
               <a:tabLst/>
               <a:defRPr/>
             </a:pPr>
-            <a:endParaRPr lang="en-AU" sz="1200" dirty="0" smtClean="0"/>
+            <a:endParaRPr lang="en-AU" sz="1200" dirty="0"/>
           </a:p>
           <a:p>
             <a:pPr marL="0" marR="0" indent="0" algn="l" defTabSz="914400" rtl="0" eaLnBrk="1" fontAlgn="auto" latinLnBrk="0" hangingPunct="1">
@@ -4111,41 +4377,41 @@
               <a:defRPr/>
             </a:pPr>
             <a:r>
-              <a:rPr lang="en-AU" sz="1200" dirty="0" smtClean="0"/>
+              <a:rPr lang="en-AU" sz="1200" dirty="0"/>
               <a:t>“The model decomposes the log of area-level relative risks into the sum of two random effects: one which is unstructured (heterogeneous), </a:t>
             </a:r>
             <a:r>
-              <a:rPr lang="en-AU" sz="1200" i="1" dirty="0" smtClean="0"/>
+              <a:rPr lang="en-AU" sz="1200" i="1" dirty="0"/>
               <a:t>v</a:t>
             </a:r>
             <a:r>
-              <a:rPr lang="en-AU" sz="1200" i="1" baseline="-25000" dirty="0" smtClean="0"/>
+              <a:rPr lang="en-AU" sz="1200" i="1" baseline="-25000" dirty="0"/>
               <a:t>i</a:t>
             </a:r>
             <a:r>
-              <a:rPr lang="en-AU" sz="1200" i="1" dirty="0" smtClean="0"/>
+              <a:rPr lang="en-AU" sz="1200" i="1" dirty="0"/>
               <a:t> </a:t>
             </a:r>
             <a:r>
-              <a:rPr lang="en-AU" sz="1200" dirty="0" smtClean="0"/>
+              <a:rPr lang="en-AU" sz="1200" dirty="0"/>
               <a:t>, and the other spatially structured (dependent), </a:t>
             </a:r>
             <a:r>
-              <a:rPr lang="en-AU" sz="1200" i="1" dirty="0" err="1" smtClean="0"/>
+              <a:rPr lang="en-AU" sz="1200" i="1" dirty="0" err="1"/>
               <a:t>u</a:t>
             </a:r>
             <a:r>
-              <a:rPr lang="en-AU" sz="1200" i="1" baseline="-25000" dirty="0" err="1" smtClean="0"/>
+              <a:rPr lang="en-AU" sz="1200" i="1" baseline="-25000" dirty="0" err="1"/>
               <a:t>i</a:t>
             </a:r>
             <a:r>
-              <a:rPr lang="en-AU" sz="1200" dirty="0" smtClean="0"/>
+              <a:rPr lang="en-AU" sz="1200" dirty="0"/>
               <a:t>.”</a:t>
             </a:r>
           </a:p>
           <a:p>
             <a:r>
-              <a:rPr lang="en-AU" sz="1200" b="0" i="0" u="none" strike="noStrike" kern="1200" baseline="0" dirty="0" smtClean="0">
+              <a:rPr lang="en-AU" sz="1200" b="0" i="0" u="none" strike="noStrike" kern="1200" baseline="0" dirty="0">
                 <a:solidFill>
                   <a:schemeClr val="tx1"/>
                 </a:solidFill>
@@ -4158,7 +4424,7 @@
           </a:p>
           <a:p>
             <a:r>
-              <a:rPr lang="en-AU" sz="1200" b="0" i="0" u="none" strike="noStrike" kern="1200" baseline="0" dirty="0" smtClean="0">
+              <a:rPr lang="en-AU" sz="1200" b="0" i="0" u="none" strike="noStrike" kern="1200" baseline="0" dirty="0">
                 <a:solidFill>
                   <a:schemeClr val="tx1"/>
                 </a:solidFill>
@@ -4170,7 +4436,7 @@
             </a:r>
           </a:p>
           <a:p>
-            <a:endParaRPr lang="en-AU" sz="1200" b="0" i="0" u="none" strike="noStrike" kern="1200" baseline="0" dirty="0" smtClean="0">
+            <a:endParaRPr lang="en-AU" sz="1200" b="0" i="0" u="none" strike="noStrike" kern="1200" baseline="0" dirty="0">
               <a:solidFill>
                 <a:schemeClr val="tx1"/>
               </a:solidFill>
@@ -4181,7 +4447,7 @@
           </a:p>
           <a:p>
             <a:r>
-              <a:rPr lang="en-AU" sz="1200" b="0" i="0" u="none" strike="noStrike" kern="1200" baseline="0" dirty="0" smtClean="0">
+              <a:rPr lang="en-AU" sz="1200" b="0" i="0" u="none" strike="noStrike" kern="1200" baseline="0" dirty="0">
                 <a:solidFill>
                   <a:schemeClr val="tx1"/>
                 </a:solidFill>
@@ -4192,7 +4458,7 @@
               <a:t>“The neighbourhood set for the </a:t>
             </a:r>
             <a:r>
-              <a:rPr lang="en-AU" sz="1200" b="0" i="1" u="none" strike="noStrike" kern="1200" baseline="0" dirty="0" err="1" smtClean="0">
+              <a:rPr lang="en-AU" sz="1200" b="0" i="1" u="none" strike="noStrike" kern="1200" baseline="0" dirty="0" err="1">
                 <a:solidFill>
                   <a:schemeClr val="tx1"/>
                 </a:solidFill>
@@ -4203,7 +4469,7 @@
               <a:t>i</a:t>
             </a:r>
             <a:r>
-              <a:rPr lang="en-AU" sz="1200" b="0" i="0" u="none" strike="noStrike" kern="1200" baseline="0" dirty="0" err="1" smtClean="0">
+              <a:rPr lang="en-AU" sz="1200" b="0" i="0" u="none" strike="noStrike" kern="1200" baseline="0" dirty="0" err="1">
                 <a:solidFill>
                   <a:schemeClr val="tx1"/>
                 </a:solidFill>
@@ -4214,7 +4480,7 @@
               <a:t>th</a:t>
             </a:r>
             <a:r>
-              <a:rPr lang="en-AU" sz="1200" b="0" i="0" u="none" strike="noStrike" kern="1200" baseline="0" dirty="0" smtClean="0">
+              <a:rPr lang="en-AU" sz="1200" b="0" i="0" u="none" strike="noStrike" kern="1200" baseline="0" dirty="0">
                 <a:solidFill>
                   <a:schemeClr val="tx1"/>
                 </a:solidFill>
@@ -4225,7 +4491,7 @@
               <a:t> area is </a:t>
             </a:r>
             <a:r>
-              <a:rPr lang="en-AU" sz="1200" b="0" i="1" u="none" strike="noStrike" kern="1200" baseline="0" dirty="0" err="1" smtClean="0">
+              <a:rPr lang="en-AU" sz="1200" b="0" i="1" u="none" strike="noStrike" kern="1200" baseline="0" dirty="0" err="1">
                 <a:solidFill>
                   <a:schemeClr val="tx1"/>
                 </a:solidFill>
@@ -4236,7 +4502,7 @@
               <a:t>δ</a:t>
             </a:r>
             <a:r>
-              <a:rPr lang="en-AU" sz="1200" b="0" i="1" u="none" strike="noStrike" kern="1200" baseline="-25000" dirty="0" err="1" smtClean="0">
+              <a:rPr lang="en-AU" sz="1200" b="0" i="1" u="none" strike="noStrike" kern="1200" baseline="-25000" dirty="0" err="1">
                 <a:solidFill>
                   <a:schemeClr val="tx1"/>
                 </a:solidFill>
@@ -4247,7 +4513,7 @@
               <a:t>i</a:t>
             </a:r>
             <a:r>
-              <a:rPr lang="en-AU" sz="1200" b="0" i="1" u="none" strike="noStrike" kern="1200" baseline="0" dirty="0" smtClean="0">
+              <a:rPr lang="en-AU" sz="1200" b="0" i="1" u="none" strike="noStrike" kern="1200" baseline="0" dirty="0">
                 <a:solidFill>
                   <a:schemeClr val="tx1"/>
                 </a:solidFill>
@@ -4258,7 +4524,7 @@
               <a:t> </a:t>
             </a:r>
             <a:r>
-              <a:rPr lang="en-AU" sz="1200" b="0" i="0" u="none" strike="noStrike" kern="1200" baseline="0" dirty="0" smtClean="0">
+              <a:rPr lang="en-AU" sz="1200" b="0" i="0" u="none" strike="noStrike" kern="1200" baseline="0" dirty="0">
                 <a:solidFill>
                   <a:schemeClr val="tx1"/>
                 </a:solidFill>
@@ -4269,7 +4535,7 @@
               <a:t>and the number of neighbours is </a:t>
             </a:r>
             <a:r>
-              <a:rPr lang="en-AU" sz="1200" b="0" i="1" u="none" strike="noStrike" kern="1200" baseline="0" dirty="0" smtClean="0">
+              <a:rPr lang="en-AU" sz="1200" b="0" i="1" u="none" strike="noStrike" kern="1200" baseline="0" dirty="0">
                 <a:solidFill>
                   <a:schemeClr val="tx1"/>
                 </a:solidFill>
@@ -4280,7 +4546,7 @@
               <a:t>n</a:t>
             </a:r>
             <a:r>
-              <a:rPr lang="el-GR" sz="1200" b="0" i="1" u="none" strike="noStrike" kern="1200" baseline="-25000" dirty="0" smtClean="0">
+              <a:rPr lang="el-GR" sz="1200" b="0" i="1" u="none" strike="noStrike" kern="1200" baseline="-25000" dirty="0">
                 <a:solidFill>
                   <a:schemeClr val="tx1"/>
                 </a:solidFill>
@@ -4291,7 +4557,7 @@
               <a:t>δ</a:t>
             </a:r>
             <a:r>
-              <a:rPr lang="en-AU" sz="1200" b="0" i="1" u="none" strike="noStrike" kern="1200" baseline="-25000" dirty="0" smtClean="0">
+              <a:rPr lang="en-AU" sz="1200" b="0" i="1" u="none" strike="noStrike" kern="1200" baseline="-25000" dirty="0">
                 <a:solidFill>
                   <a:schemeClr val="tx1"/>
                 </a:solidFill>
@@ -4302,7 +4568,7 @@
               <a:t>i</a:t>
             </a:r>
             <a:r>
-              <a:rPr lang="en-AU" sz="1200" b="0" i="0" u="none" strike="noStrike" kern="1200" baseline="0" dirty="0" smtClean="0">
+              <a:rPr lang="en-AU" sz="1200" b="0" i="0" u="none" strike="noStrike" kern="1200" baseline="0" dirty="0">
                 <a:solidFill>
                   <a:schemeClr val="tx1"/>
                 </a:solidFill>
@@ -4314,7 +4580,7 @@
             </a:r>
           </a:p>
           <a:p>
-            <a:endParaRPr lang="en-AU" sz="1200" b="0" i="0" u="none" strike="noStrike" kern="1200" baseline="0" dirty="0" smtClean="0">
+            <a:endParaRPr lang="en-AU" sz="1200" b="0" i="0" u="none" strike="noStrike" kern="1200" baseline="0" dirty="0">
               <a:solidFill>
                 <a:schemeClr val="tx1"/>
               </a:solidFill>
@@ -4325,7 +4591,7 @@
           </a:p>
           <a:p>
             <a:r>
-              <a:rPr lang="en-AU" sz="1200" b="0" i="0" u="none" strike="noStrike" kern="1200" baseline="0" dirty="0" smtClean="0">
+              <a:rPr lang="en-AU" sz="1200" b="0" i="0" u="none" strike="noStrike" kern="1200" baseline="0" dirty="0">
                 <a:solidFill>
                   <a:schemeClr val="tx1"/>
                 </a:solidFill>
@@ -4337,7 +4603,7 @@
             </a:r>
           </a:p>
           <a:p>
-            <a:endParaRPr lang="en-AU" sz="1200" b="0" i="0" u="none" strike="noStrike" kern="1200" baseline="0" dirty="0" smtClean="0">
+            <a:endParaRPr lang="en-AU" sz="1200" b="0" i="0" u="none" strike="noStrike" kern="1200" baseline="0" dirty="0">
               <a:solidFill>
                 <a:schemeClr val="tx1"/>
               </a:solidFill>
@@ -4365,59 +4631,59 @@
               <a:defRPr/>
             </a:pPr>
             <a:r>
-              <a:rPr lang="en-AU" sz="1200" dirty="0" smtClean="0"/>
+              <a:rPr lang="en-AU" sz="1200" dirty="0"/>
               <a:t>The BYM model is a Bayesian approach to fitting </a:t>
             </a:r>
             <a:r>
-              <a:rPr lang="el-GR" sz="1200" dirty="0" smtClean="0"/>
+              <a:rPr lang="el-GR" sz="1200" dirty="0"/>
               <a:t>θ</a:t>
             </a:r>
             <a:r>
-              <a:rPr lang="en-AU" sz="1200" baseline="-25000" dirty="0" err="1" smtClean="0"/>
+              <a:rPr lang="en-AU" sz="1200" baseline="-25000" dirty="0" err="1"/>
               <a:t>i</a:t>
             </a:r>
             <a:r>
-              <a:rPr lang="en-AU" sz="1200" dirty="0" smtClean="0"/>
+              <a:rPr lang="en-AU" sz="1200" dirty="0"/>
               <a:t>. The model decomposes the log of </a:t>
             </a:r>
             <a:r>
-              <a:rPr lang="el-GR" sz="1200" dirty="0" smtClean="0"/>
+              <a:rPr lang="el-GR" sz="1200" dirty="0"/>
               <a:t>θ</a:t>
             </a:r>
             <a:r>
-              <a:rPr lang="en-AU" sz="1200" baseline="-25000" dirty="0" err="1" smtClean="0"/>
+              <a:rPr lang="en-AU" sz="1200" baseline="-25000" dirty="0" err="1"/>
               <a:t>i</a:t>
             </a:r>
             <a:r>
-              <a:rPr lang="en-AU" sz="1200" dirty="0" smtClean="0"/>
+              <a:rPr lang="en-AU" sz="1200" dirty="0"/>
               <a:t> into the sum of two random effects:</a:t>
             </a:r>
             <a:r>
-              <a:rPr lang="en-AU" sz="1200" i="1" dirty="0" smtClean="0"/>
+              <a:rPr lang="en-AU" sz="1200" i="1" dirty="0"/>
               <a:t> v</a:t>
             </a:r>
             <a:r>
-              <a:rPr lang="en-AU" sz="1200" i="1" baseline="-25000" dirty="0" smtClean="0"/>
+              <a:rPr lang="en-AU" sz="1200" i="1" baseline="-25000" dirty="0"/>
               <a:t>i</a:t>
             </a:r>
             <a:r>
-              <a:rPr lang="en-AU" sz="1200" i="1" dirty="0" smtClean="0"/>
+              <a:rPr lang="en-AU" sz="1200" i="1" dirty="0"/>
               <a:t>, </a:t>
             </a:r>
             <a:r>
-              <a:rPr lang="en-AU" sz="1200" dirty="0" smtClean="0"/>
+              <a:rPr lang="en-AU" sz="1200" dirty="0"/>
               <a:t>which is the unstructured component, and </a:t>
             </a:r>
             <a:r>
-              <a:rPr lang="en-AU" sz="1200" i="1" dirty="0" err="1" smtClean="0"/>
+              <a:rPr lang="en-AU" sz="1200" i="1" dirty="0" err="1"/>
               <a:t>u</a:t>
             </a:r>
             <a:r>
-              <a:rPr lang="en-AU" sz="1200" i="1" baseline="-25000" dirty="0" err="1" smtClean="0"/>
+              <a:rPr lang="en-AU" sz="1200" i="1" baseline="-25000" dirty="0" err="1"/>
               <a:t>i</a:t>
             </a:r>
             <a:r>
-              <a:rPr lang="en-AU" sz="1200" dirty="0" smtClean="0"/>
+              <a:rPr lang="en-AU" sz="1200" dirty="0"/>
               <a:t>, which is the spatially structured component, which is dependent on the values of its neighbouring zip codes.</a:t>
             </a:r>
           </a:p>
@@ -4439,7 +4705,7 @@
               <a:tabLst/>
               <a:defRPr/>
             </a:pPr>
-            <a:endParaRPr lang="en-AU" sz="1200" dirty="0" smtClean="0"/>
+            <a:endParaRPr lang="en-AU" sz="1200" dirty="0"/>
           </a:p>
           <a:p>
             <a:pPr marL="0" marR="0" indent="0" algn="l" defTabSz="914400" rtl="0" eaLnBrk="1" fontAlgn="auto" latinLnBrk="0" hangingPunct="1">
@@ -4460,14 +4726,14 @@
               <a:defRPr/>
             </a:pPr>
             <a:r>
-              <a:rPr lang="en-AU" sz="1200" dirty="0" smtClean="0"/>
+              <a:rPr lang="en-AU" sz="1200" dirty="0"/>
               <a:t>Main terms have a Gaussian prior</a:t>
             </a:r>
             <a:r>
-              <a:rPr lang="en-AU" sz="1200" baseline="0" dirty="0" smtClean="0"/>
+              <a:rPr lang="en-AU" sz="1200" baseline="0" dirty="0"/>
               <a:t> distribution. Their precisions are taken from uniform(0,10) distribution.</a:t>
             </a:r>
-            <a:endParaRPr lang="en-AU" sz="1200" dirty="0" smtClean="0"/>
+            <a:endParaRPr lang="en-AU" sz="1200" dirty="0"/>
           </a:p>
           <a:p>
             <a:endParaRPr lang="en-AU" dirty="0"/>
@@ -4556,6 +4822,108 @@
           <a:lstStyle/>
           <a:p>
             <a:r>
+              <a:rPr lang="en-AU" sz="1200" b="0" i="0" u="none" strike="noStrike" kern="1200" baseline="0" dirty="0">
+                <a:solidFill>
+                  <a:schemeClr val="tx1"/>
+                </a:solidFill>
+                <a:latin typeface="+mn-lt"/>
+                <a:ea typeface="+mn-ea"/>
+                <a:cs typeface="+mn-cs"/>
+              </a:rPr>
+              <a:t>This is an extension of the BYM model. Again, Bayesian and hierarchical.</a:t>
+            </a:r>
+          </a:p>
+          <a:p>
+            <a:endParaRPr lang="en-AU" sz="1200" b="0" i="0" u="none" strike="noStrike" kern="1200" baseline="0" dirty="0">
+              <a:solidFill>
+                <a:schemeClr val="tx1"/>
+              </a:solidFill>
+              <a:latin typeface="+mn-lt"/>
+              <a:ea typeface="+mn-ea"/>
+              <a:cs typeface="+mn-cs"/>
+            </a:endParaRPr>
+          </a:p>
+          <a:p>
+            <a:r>
+              <a:rPr lang="en-AU" sz="1200" b="0" i="0" u="none" strike="noStrike" kern="1200" baseline="0" dirty="0">
+                <a:solidFill>
+                  <a:schemeClr val="tx1"/>
+                </a:solidFill>
+                <a:latin typeface="+mn-lt"/>
+                <a:ea typeface="+mn-ea"/>
+                <a:cs typeface="+mn-cs"/>
+              </a:rPr>
+              <a:t>“Since childhood cancer is a rare disease, there are zip code areas with no cases. This sparseness of the count outcomes can be a problem as the Poisson data level model might not be able to model the situation where there can be multimodality in the marginal count distribution.”</a:t>
+            </a:r>
+          </a:p>
+          <a:p>
+            <a:endParaRPr lang="en-AU" sz="1200" b="0" i="0" u="none" strike="noStrike" kern="1200" baseline="0" dirty="0">
+              <a:solidFill>
+                <a:schemeClr val="tx1"/>
+              </a:solidFill>
+              <a:latin typeface="+mn-lt"/>
+              <a:ea typeface="+mn-ea"/>
+              <a:cs typeface="+mn-cs"/>
+            </a:endParaRPr>
+          </a:p>
+          <a:p>
+            <a:r>
+              <a:rPr lang="en-AU" sz="1200" b="0" i="0" u="none" strike="noStrike" kern="1200" baseline="0" dirty="0">
+                <a:solidFill>
+                  <a:schemeClr val="tx1"/>
+                </a:solidFill>
+                <a:latin typeface="+mn-lt"/>
+                <a:ea typeface="+mn-ea"/>
+                <a:cs typeface="+mn-cs"/>
+              </a:rPr>
+              <a:t>They did consider using a zero-inflated Poisson (ZIP) model, but they decided to go for the simpler approach of having the zero counts have a different intercept.</a:t>
+            </a:r>
+          </a:p>
+          <a:p>
+            <a:endParaRPr lang="en-AU" sz="1200" b="0" i="0" u="none" strike="noStrike" kern="1200" baseline="0" dirty="0">
+              <a:solidFill>
+                <a:schemeClr val="tx1"/>
+              </a:solidFill>
+              <a:latin typeface="+mn-lt"/>
+              <a:ea typeface="+mn-ea"/>
+              <a:cs typeface="+mn-cs"/>
+            </a:endParaRPr>
+          </a:p>
+          <a:p>
+            <a:r>
+              <a:rPr lang="en-AU" sz="1200" b="0" i="0" u="none" strike="noStrike" kern="1200" baseline="0" dirty="0">
+                <a:solidFill>
+                  <a:schemeClr val="tx1"/>
+                </a:solidFill>
+                <a:latin typeface="+mn-lt"/>
+                <a:ea typeface="+mn-ea"/>
+                <a:cs typeface="+mn-cs"/>
+              </a:rPr>
+              <a:t>They used the </a:t>
+            </a:r>
+            <a:r>
+              <a:rPr lang="en-AU" sz="1200" b="0" i="0" u="none" strike="noStrike" kern="1200" baseline="0" dirty="0" err="1">
+                <a:solidFill>
+                  <a:schemeClr val="tx1"/>
+                </a:solidFill>
+                <a:latin typeface="+mn-lt"/>
+                <a:ea typeface="+mn-ea"/>
+                <a:cs typeface="+mn-cs"/>
+              </a:rPr>
+              <a:t>OpenBUGS</a:t>
+            </a:r>
+            <a:r>
+              <a:rPr lang="en-AU" sz="1200" b="0" i="0" u="none" strike="noStrike" kern="1200" baseline="0" dirty="0">
+                <a:solidFill>
+                  <a:schemeClr val="tx1"/>
+                </a:solidFill>
+                <a:latin typeface="+mn-lt"/>
+                <a:ea typeface="+mn-ea"/>
+                <a:cs typeface="+mn-cs"/>
+              </a:rPr>
+              <a:t> software to generate their models. No code was provided with the article. They used Monte-Carlo Markov Chain sampling, with a sample size of </a:t>
+            </a:r>
+            <a:r>
               <a:rPr lang="en-AU" sz="1200" b="0" i="0" u="none" strike="noStrike" kern="1200" baseline="0" dirty="0" smtClean="0">
                 <a:solidFill>
                   <a:schemeClr val="tx1"/>
@@ -4564,22 +4932,10 @@
                 <a:ea typeface="+mn-ea"/>
                 <a:cs typeface="+mn-cs"/>
               </a:rPr>
-              <a:t>This is an extension of the BYM model. Again, Bayesian and hierarchical.</a:t>
-            </a:r>
-          </a:p>
-          <a:p>
-            <a:endParaRPr lang="en-AU" sz="1200" b="0" i="0" u="none" strike="noStrike" kern="1200" baseline="0" dirty="0" smtClean="0">
-              <a:solidFill>
-                <a:schemeClr val="tx1"/>
-              </a:solidFill>
-              <a:latin typeface="+mn-lt"/>
-              <a:ea typeface="+mn-ea"/>
-              <a:cs typeface="+mn-cs"/>
-            </a:endParaRPr>
-          </a:p>
-          <a:p>
-            <a:r>
-              <a:rPr lang="en-AU" sz="1200" b="0" i="0" u="none" strike="noStrike" kern="1200" baseline="0" dirty="0" smtClean="0">
+              <a:t>10 </a:t>
+            </a:r>
+            <a:r>
+              <a:rPr lang="en-AU" sz="1200" b="0" i="0" u="none" strike="noStrike" kern="1200" baseline="0" dirty="0">
                 <a:solidFill>
                   <a:schemeClr val="tx1"/>
                 </a:solidFill>
@@ -4587,89 +4943,10 @@
                 <a:ea typeface="+mn-ea"/>
                 <a:cs typeface="+mn-cs"/>
               </a:rPr>
-              <a:t>“Since childhood cancer is a rare disease, there are zip code areas with no cases. This sparseness of the count outcomes can be a problem as the Poisson data level model might not be able to model the situation where there can be multimodality in the marginal count distribution.”</a:t>
-            </a:r>
-          </a:p>
-          <a:p>
-            <a:endParaRPr lang="en-AU" sz="1200" b="0" i="0" u="none" strike="noStrike" kern="1200" baseline="0" dirty="0" smtClean="0">
-              <a:solidFill>
-                <a:schemeClr val="tx1"/>
-              </a:solidFill>
-              <a:latin typeface="+mn-lt"/>
-              <a:ea typeface="+mn-ea"/>
-              <a:cs typeface="+mn-cs"/>
-            </a:endParaRPr>
-          </a:p>
-          <a:p>
-            <a:r>
-              <a:rPr lang="en-AU" sz="1200" b="0" i="0" u="none" strike="noStrike" kern="1200" baseline="0" dirty="0" smtClean="0">
-                <a:solidFill>
-                  <a:schemeClr val="tx1"/>
-                </a:solidFill>
-                <a:latin typeface="+mn-lt"/>
-                <a:ea typeface="+mn-ea"/>
-                <a:cs typeface="+mn-cs"/>
-              </a:rPr>
-              <a:t>They did consider using a zero-inflated Poisson (ZIP) model, but they decided to go for the simpler approach of having the zero counts have a different intercept.</a:t>
-            </a:r>
-          </a:p>
-          <a:p>
-            <a:endParaRPr lang="en-AU" sz="1200" b="0" i="0" u="none" strike="noStrike" kern="1200" baseline="0" dirty="0" smtClean="0">
-              <a:solidFill>
-                <a:schemeClr val="tx1"/>
-              </a:solidFill>
-              <a:latin typeface="+mn-lt"/>
-              <a:ea typeface="+mn-ea"/>
-              <a:cs typeface="+mn-cs"/>
-            </a:endParaRPr>
-          </a:p>
-          <a:p>
-            <a:r>
-              <a:rPr lang="en-AU" sz="1200" b="0" i="0" u="none" strike="noStrike" kern="1200" baseline="0" dirty="0" smtClean="0">
-                <a:solidFill>
-                  <a:schemeClr val="tx1"/>
-                </a:solidFill>
-                <a:latin typeface="+mn-lt"/>
-                <a:ea typeface="+mn-ea"/>
-                <a:cs typeface="+mn-cs"/>
-              </a:rPr>
-              <a:t>They used the </a:t>
-            </a:r>
-            <a:r>
-              <a:rPr lang="en-AU" sz="1200" b="0" i="0" u="none" strike="noStrike" kern="1200" baseline="0" dirty="0" err="1" smtClean="0">
-                <a:solidFill>
-                  <a:schemeClr val="tx1"/>
-                </a:solidFill>
-                <a:latin typeface="+mn-lt"/>
-                <a:ea typeface="+mn-ea"/>
-                <a:cs typeface="+mn-cs"/>
-              </a:rPr>
-              <a:t>OpenBUGS</a:t>
-            </a:r>
-            <a:r>
-              <a:rPr lang="en-AU" sz="1200" b="0" i="0" u="none" strike="noStrike" kern="1200" baseline="0" dirty="0" smtClean="0">
-                <a:solidFill>
-                  <a:schemeClr val="tx1"/>
-                </a:solidFill>
-                <a:latin typeface="+mn-lt"/>
-                <a:ea typeface="+mn-ea"/>
-                <a:cs typeface="+mn-cs"/>
-              </a:rPr>
-              <a:t> software to generate their models. No code was provided with the article. They </a:t>
-            </a:r>
-            <a:r>
-              <a:rPr lang="en-AU" sz="1200" b="0" i="0" u="none" strike="noStrike" kern="1200" baseline="0" dirty="0" smtClean="0">
-                <a:solidFill>
-                  <a:schemeClr val="tx1"/>
-                </a:solidFill>
-                <a:latin typeface="+mn-lt"/>
-                <a:ea typeface="+mn-ea"/>
-                <a:cs typeface="+mn-cs"/>
-              </a:rPr>
-              <a:t>used Monte-Carlo Markov Chain sampling, with a sample size of 10000. The Brooks-</a:t>
-            </a:r>
-            <a:r>
-              <a:rPr lang="en-AU" sz="1200" b="0" i="0" u="none" strike="noStrike" kern="1200" baseline="0" dirty="0" err="1" smtClean="0">
+              <a:t>000 and a burn-in period of 10 000 iterations. The Brooks-</a:t>
+            </a:r>
+            <a:r>
+              <a:rPr lang="en-AU" sz="1200" b="0" i="0" u="none" strike="noStrike" kern="1200" baseline="0" dirty="0" err="1">
                 <a:solidFill>
                   <a:schemeClr val="tx1"/>
                 </a:solidFill>
@@ -4680,7 +4957,7 @@
               <a:t>Gelman</a:t>
             </a:r>
             <a:r>
-              <a:rPr lang="en-AU" sz="1200" b="0" i="0" u="none" strike="noStrike" kern="1200" baseline="0" dirty="0" smtClean="0">
+              <a:rPr lang="en-AU" sz="1200" b="0" i="0" u="none" strike="noStrike" kern="1200" baseline="0" dirty="0">
                 <a:solidFill>
                   <a:schemeClr val="tx1"/>
                 </a:solidFill>
@@ -4691,7 +4968,7 @@
               <a:t>-Rubin diagnostic (Brooks and </a:t>
             </a:r>
             <a:r>
-              <a:rPr lang="en-AU" sz="1200" b="0" i="0" u="none" strike="noStrike" kern="1200" baseline="0" dirty="0" err="1" smtClean="0">
+              <a:rPr lang="en-AU" sz="1200" b="0" i="0" u="none" strike="noStrike" kern="1200" baseline="0" dirty="0" err="1">
                 <a:solidFill>
                   <a:schemeClr val="tx1"/>
                 </a:solidFill>
@@ -4702,7 +4979,7 @@
               <a:t>Gelman</a:t>
             </a:r>
             <a:r>
-              <a:rPr lang="en-AU" sz="1200" b="0" i="0" u="none" strike="noStrike" kern="1200" baseline="0" dirty="0" smtClean="0">
+              <a:rPr lang="en-AU" sz="1200" b="0" i="0" u="none" strike="noStrike" kern="1200" baseline="0" dirty="0">
                 <a:solidFill>
                   <a:schemeClr val="tx1"/>
                 </a:solidFill>
@@ -4714,7 +4991,7 @@
             </a:r>
           </a:p>
           <a:p>
-            <a:endParaRPr lang="en-AU" sz="1200" b="0" i="0" u="none" strike="noStrike" kern="1200" baseline="0" dirty="0" smtClean="0">
+            <a:endParaRPr lang="en-AU" sz="1200" b="0" i="0" u="none" strike="noStrike" kern="1200" baseline="0" dirty="0">
               <a:solidFill>
                 <a:schemeClr val="tx1"/>
               </a:solidFill>
@@ -4742,15 +5019,15 @@
               <a:defRPr/>
             </a:pPr>
             <a:r>
-              <a:rPr lang="en-AU" sz="1200" dirty="0" smtClean="0"/>
+              <a:rPr lang="en-AU" sz="1200" dirty="0"/>
               <a:t>The SPC model is the BYM model with an indicator variable added in for whether the data value is zero or not. They have included this in the model, as zero counts in the data can be a problem since they are modelling it with a </a:t>
             </a:r>
             <a:r>
-              <a:rPr lang="en-AU" sz="1200" dirty="0" err="1" smtClean="0"/>
+              <a:rPr lang="en-AU" sz="1200" dirty="0" err="1"/>
               <a:t>poisson</a:t>
             </a:r>
             <a:r>
-              <a:rPr lang="en-AU" sz="1200" dirty="0" smtClean="0"/>
+              <a:rPr lang="en-AU" sz="1200" dirty="0"/>
               <a:t> distribution.</a:t>
             </a:r>
           </a:p>
@@ -4841,13 +5118,16 @@
           <a:lstStyle/>
           <a:p>
             <a:r>
-              <a:rPr lang="en-AU" dirty="0" smtClean="0"/>
+              <a:rPr lang="en-AU" dirty="0"/>
               <a:t>The</a:t>
             </a:r>
             <a:r>
-              <a:rPr lang="en-AU" baseline="0" dirty="0" smtClean="0"/>
-              <a:t> model checking procedures in the article are more about model comparing, as there are no cut-offs mentioned in the results or model evaluation sections, and in the results they only compare the structure of the results or compare the two different models values.</a:t>
-            </a:r>
+              <a:rPr lang="en-AU" baseline="0" dirty="0"/>
+              <a:t> model checking procedures in the article are more about model comparing, as there are no cut-offs mentioned in the results or model evaluation sections, and in the results they only compare the structure of the results or compare the two different models values. They do not do any formal hypothesis tests or confidence intervals.</a:t>
+            </a:r>
+          </a:p>
+          <a:p>
+            <a:endParaRPr lang="en-AU" baseline="0" dirty="0"/>
           </a:p>
           <a:p>
             <a:pPr marL="0" marR="0" indent="0" algn="l" defTabSz="914400" rtl="0" eaLnBrk="1" fontAlgn="auto" latinLnBrk="0" hangingPunct="1">
@@ -4868,24 +5148,12 @@
               <a:defRPr/>
             </a:pPr>
             <a:r>
+              <a:rPr lang="en-AU" sz="1200" dirty="0"/>
+              <a:t>With these different model checking and comparing procedures, the lower value produced, the better the model is</a:t>
+            </a:r>
+            <a:r>
               <a:rPr lang="en-AU" sz="1200" dirty="0" smtClean="0"/>
-              <a:t>With these different model checking and comparing procedures, the lower value produced, the better the model is.</a:t>
-            </a:r>
-          </a:p>
-          <a:p>
-            <a:endParaRPr lang="en-AU" baseline="0" dirty="0" smtClean="0"/>
-          </a:p>
-          <a:p>
-            <a:r>
-              <a:rPr lang="en-AU" sz="1200" b="0" i="0" u="none" strike="noStrike" kern="1200" baseline="0" dirty="0" smtClean="0">
-                <a:solidFill>
-                  <a:schemeClr val="tx1"/>
-                </a:solidFill>
-                <a:latin typeface="+mn-lt"/>
-                <a:ea typeface="+mn-ea"/>
-                <a:cs typeface="+mn-cs"/>
-              </a:rPr>
-              <a:t>“A measure of goodness-of-fit that is widely used in Bayesian modelling is the deviance information criterion (DIC)”</a:t>
+              <a:t>.</a:t>
             </a:r>
           </a:p>
           <a:p>
@@ -4906,23 +5174,20 @@
               <a:tabLst/>
               <a:defRPr/>
             </a:pPr>
-            <a:r>
-              <a:rPr lang="en-AU" baseline="0" dirty="0" smtClean="0"/>
-              <a:t>The exceedance probability is used to find clusters, or hot spots in the relative risk of brain cancer.</a:t>
-            </a:r>
-            <a:endParaRPr lang="en-AU" dirty="0" smtClean="0"/>
-          </a:p>
-          <a:p>
-            <a:endParaRPr lang="en-AU" sz="1200" b="0" i="0" u="none" strike="noStrike" kern="1200" baseline="0" dirty="0" smtClean="0">
-              <a:solidFill>
-                <a:schemeClr val="tx1"/>
-              </a:solidFill>
-              <a:latin typeface="+mn-lt"/>
-              <a:ea typeface="+mn-ea"/>
-              <a:cs typeface="+mn-cs"/>
-            </a:endParaRPr>
-          </a:p>
-          <a:p>
+            <a:endParaRPr lang="en-AU" baseline="0" dirty="0"/>
+          </a:p>
+          <a:p>
+            <a:r>
+              <a:rPr lang="en-AU" sz="1200" b="0" i="0" u="none" strike="noStrike" kern="1200" baseline="0" dirty="0">
+                <a:solidFill>
+                  <a:schemeClr val="tx1"/>
+                </a:solidFill>
+                <a:latin typeface="+mn-lt"/>
+                <a:ea typeface="+mn-ea"/>
+                <a:cs typeface="+mn-cs"/>
+              </a:rPr>
+              <a:t>“A measure of goodness-of-fit that is widely used in Bayesian modelling is the deviance information criterion (DIC)</a:t>
+            </a:r>
             <a:r>
               <a:rPr lang="en-AU" sz="1200" b="0" i="0" u="none" strike="noStrike" kern="1200" baseline="0" dirty="0" smtClean="0">
                 <a:solidFill>
@@ -4932,12 +5197,166 @@
                 <a:ea typeface="+mn-ea"/>
                 <a:cs typeface="+mn-cs"/>
               </a:rPr>
-              <a:t>To measure the predictive capability of a model, they used the mean squared predictive error, which compares the observed data to the predicted data from the fitted model.</a:t>
-            </a:r>
+              <a:t>”. </a:t>
+            </a:r>
+            <a:r>
+              <a:rPr lang="en-AU" sz="1200" dirty="0" smtClean="0"/>
+              <a:t>It balances the number of parameters in the model with the explanatory power of the model. More parameters is worse, but more explanatory</a:t>
+            </a:r>
+            <a:r>
+              <a:rPr lang="en-AU" sz="1200" baseline="0" dirty="0" smtClean="0"/>
+              <a:t> power is better. There is always a trade-off between the two. DIC quantifies this. </a:t>
+            </a:r>
+            <a:r>
+              <a:rPr lang="en-AU" sz="1200" baseline="0" dirty="0" err="1" smtClean="0"/>
+              <a:t>pD</a:t>
+            </a:r>
+            <a:r>
+              <a:rPr lang="en-AU" sz="1200" baseline="0" dirty="0" smtClean="0"/>
+              <a:t> is the effective number of parameters. D(</a:t>
+            </a:r>
+            <a:r>
+              <a:rPr lang="el-GR" sz="1200" dirty="0" smtClean="0"/>
+              <a:t>θ</a:t>
+            </a:r>
+            <a:r>
+              <a:rPr lang="en-AU" sz="1200" baseline="30000" dirty="0" smtClean="0"/>
+              <a:t>g</a:t>
+            </a:r>
+            <a:r>
+              <a:rPr lang="en-AU" sz="1200" baseline="0" dirty="0" smtClean="0"/>
+              <a:t>) is the deviance of the </a:t>
+            </a:r>
+            <a:r>
+              <a:rPr lang="en-AU" sz="1200" baseline="0" dirty="0" err="1" smtClean="0"/>
+              <a:t>gth</a:t>
+            </a:r>
+            <a:r>
+              <a:rPr lang="en-AU" sz="1200" baseline="0" dirty="0" smtClean="0"/>
+              <a:t> sample parameter value.</a:t>
+            </a:r>
+            <a:endParaRPr lang="en-AU" sz="1200" b="0" i="0" u="none" strike="noStrike" kern="1200" baseline="0" dirty="0">
+              <a:solidFill>
+                <a:schemeClr val="tx1"/>
+              </a:solidFill>
+              <a:latin typeface="+mn-lt"/>
+              <a:ea typeface="+mn-ea"/>
+              <a:cs typeface="+mn-cs"/>
+            </a:endParaRPr>
+          </a:p>
+          <a:p>
+            <a:pPr marL="0" marR="0" indent="0" algn="l" defTabSz="914400" rtl="0" eaLnBrk="1" fontAlgn="auto" latinLnBrk="0" hangingPunct="1">
+              <a:lnSpc>
+                <a:spcPct val="100000"/>
+              </a:lnSpc>
+              <a:spcBef>
+                <a:spcPts val="0"/>
+              </a:spcBef>
+              <a:spcAft>
+                <a:spcPts val="0"/>
+              </a:spcAft>
+              <a:buClrTx/>
+              <a:buSzTx/>
+              <a:buFontTx/>
+              <a:buNone/>
+              <a:tabLst/>
+              <a:defRPr/>
+            </a:pPr>
             <a:endParaRPr lang="en-AU" baseline="0" dirty="0" smtClean="0"/>
           </a:p>
           <a:p>
-            <a:endParaRPr lang="en-AU" sz="1200" kern="1200" baseline="0" dirty="0" smtClean="0">
+            <a:pPr marL="0" marR="0" indent="0" algn="l" defTabSz="914400" rtl="0" eaLnBrk="1" fontAlgn="auto" latinLnBrk="0" hangingPunct="1">
+              <a:lnSpc>
+                <a:spcPct val="100000"/>
+              </a:lnSpc>
+              <a:spcBef>
+                <a:spcPts val="0"/>
+              </a:spcBef>
+              <a:spcAft>
+                <a:spcPts val="0"/>
+              </a:spcAft>
+              <a:buClrTx/>
+              <a:buSzTx/>
+              <a:buFontTx/>
+              <a:buNone/>
+              <a:tabLst/>
+              <a:defRPr/>
+            </a:pPr>
+            <a:r>
+              <a:rPr lang="en-AU" baseline="0" dirty="0" smtClean="0"/>
+              <a:t>Here </a:t>
+            </a:r>
+            <a:r>
+              <a:rPr lang="el-GR" sz="1200" dirty="0" smtClean="0"/>
+              <a:t>θ</a:t>
+            </a:r>
+            <a:r>
+              <a:rPr lang="en-AU" sz="1200" baseline="30000" dirty="0" smtClean="0"/>
+              <a:t>g</a:t>
+            </a:r>
+            <a:r>
+              <a:rPr lang="en-AU" sz="1200" baseline="0" dirty="0" smtClean="0"/>
+              <a:t> is the sample parameter value of the </a:t>
+            </a:r>
+            <a:r>
+              <a:rPr lang="en-AU" sz="1200" baseline="0" dirty="0" err="1" smtClean="0"/>
+              <a:t>gth</a:t>
+            </a:r>
+            <a:r>
+              <a:rPr lang="en-AU" sz="1200" baseline="0" dirty="0" smtClean="0"/>
+              <a:t> sample.</a:t>
+            </a:r>
+            <a:endParaRPr lang="en-AU" dirty="0" smtClean="0"/>
+          </a:p>
+          <a:p>
+            <a:pPr marL="0" marR="0" indent="0" algn="l" defTabSz="914400" rtl="0" eaLnBrk="1" fontAlgn="auto" latinLnBrk="0" hangingPunct="1">
+              <a:lnSpc>
+                <a:spcPct val="100000"/>
+              </a:lnSpc>
+              <a:spcBef>
+                <a:spcPts val="0"/>
+              </a:spcBef>
+              <a:spcAft>
+                <a:spcPts val="0"/>
+              </a:spcAft>
+              <a:buClrTx/>
+              <a:buSzTx/>
+              <a:buFontTx/>
+              <a:buNone/>
+              <a:tabLst/>
+              <a:defRPr/>
+            </a:pPr>
+            <a:endParaRPr lang="en-AU" baseline="0" dirty="0" smtClean="0"/>
+          </a:p>
+          <a:p>
+            <a:pPr marL="0" marR="0" indent="0" algn="l" defTabSz="914400" rtl="0" eaLnBrk="1" fontAlgn="auto" latinLnBrk="0" hangingPunct="1">
+              <a:lnSpc>
+                <a:spcPct val="100000"/>
+              </a:lnSpc>
+              <a:spcBef>
+                <a:spcPts val="0"/>
+              </a:spcBef>
+              <a:spcAft>
+                <a:spcPts val="0"/>
+              </a:spcAft>
+              <a:buClrTx/>
+              <a:buSzTx/>
+              <a:buFontTx/>
+              <a:buNone/>
+              <a:tabLst/>
+              <a:defRPr/>
+            </a:pPr>
+            <a:r>
+              <a:rPr lang="en-AU" baseline="0" dirty="0" smtClean="0"/>
+              <a:t>The </a:t>
+            </a:r>
+            <a:r>
+              <a:rPr lang="en-AU" baseline="0" dirty="0"/>
+              <a:t>exceedance probability is used to find clusters, or hot spots in the relative risk of brain cancer.</a:t>
+            </a:r>
+          </a:p>
+          <a:p>
+            <a:endParaRPr lang="en-AU" sz="1200" kern="1200" baseline="0" dirty="0">
               <a:solidFill>
                 <a:schemeClr val="tx1"/>
               </a:solidFill>
@@ -4949,7 +5368,7 @@
           </a:p>
           <a:p>
             <a:r>
-              <a:rPr lang="en-AU" sz="1200" kern="1200" dirty="0" smtClean="0">
+              <a:rPr lang="en-AU" sz="1200" kern="1200" dirty="0">
                 <a:solidFill>
                   <a:schemeClr val="tx1"/>
                 </a:solidFill>
@@ -4961,7 +5380,7 @@
               <a:t>The deviance information criterion is an overall goodness of fit test. To investigate localised behaviour they used an exceedance probability. To measure the predictive capability of the models they used the mean square predictive error. WAIC</a:t>
             </a:r>
             <a:r>
-              <a:rPr lang="en-AU" sz="1200" kern="1200" baseline="0" dirty="0" smtClean="0">
+              <a:rPr lang="en-AU" sz="1200" kern="1200" baseline="0" dirty="0">
                 <a:solidFill>
                   <a:schemeClr val="tx1"/>
                 </a:solidFill>
@@ -4974,7 +5393,7 @@
             </a:r>
           </a:p>
           <a:p>
-            <a:endParaRPr lang="en-AU" sz="1200" kern="1200" baseline="0" dirty="0" smtClean="0">
+            <a:endParaRPr lang="en-AU" sz="1200" kern="1200" baseline="0" dirty="0">
               <a:solidFill>
                 <a:schemeClr val="tx1"/>
               </a:solidFill>
@@ -4986,7 +5405,7 @@
           </a:p>
           <a:p>
             <a:r>
-              <a:rPr lang="en-AU" sz="1200" kern="1200" baseline="0" dirty="0" smtClean="0">
+              <a:rPr lang="en-AU" sz="1200" kern="1200" baseline="0" dirty="0">
                 <a:solidFill>
                   <a:schemeClr val="tx1"/>
                 </a:solidFill>
@@ -4997,7 +5416,81 @@
               </a:rPr>
               <a:t>G is the sampler sample size (in the MCMC), in this article 10000.</a:t>
             </a:r>
-            <a:endParaRPr lang="en-AU" baseline="0" dirty="0" smtClean="0"/>
+          </a:p>
+          <a:p>
+            <a:endParaRPr lang="en-AU" sz="1200" kern="1200" baseline="0" dirty="0">
+              <a:solidFill>
+                <a:schemeClr val="tx1"/>
+              </a:solidFill>
+              <a:effectLst/>
+              <a:latin typeface="+mn-lt"/>
+              <a:ea typeface="+mn-ea"/>
+              <a:cs typeface="+mn-cs"/>
+            </a:endParaRPr>
+          </a:p>
+          <a:p>
+            <a:r>
+              <a:rPr lang="en-AU" sz="1200" kern="1200" baseline="0" dirty="0">
+                <a:solidFill>
+                  <a:schemeClr val="tx1"/>
+                </a:solidFill>
+                <a:effectLst/>
+                <a:latin typeface="+mn-lt"/>
+                <a:ea typeface="+mn-ea"/>
+                <a:cs typeface="+mn-cs"/>
+              </a:rPr>
+              <a:t>The </a:t>
+            </a:r>
+            <a:r>
+              <a:rPr lang="en-AU" sz="1200" kern="1200" baseline="0" dirty="0" err="1">
+                <a:solidFill>
+                  <a:schemeClr val="tx1"/>
+                </a:solidFill>
+                <a:effectLst/>
+                <a:latin typeface="+mn-lt"/>
+                <a:ea typeface="+mn-ea"/>
+                <a:cs typeface="+mn-cs"/>
+              </a:rPr>
+              <a:t>exceedence</a:t>
+            </a:r>
+            <a:r>
+              <a:rPr lang="en-AU" sz="1200" kern="1200" baseline="0" dirty="0">
+                <a:solidFill>
+                  <a:schemeClr val="tx1"/>
+                </a:solidFill>
+                <a:effectLst/>
+                <a:latin typeface="+mn-lt"/>
+                <a:ea typeface="+mn-ea"/>
+                <a:cs typeface="+mn-cs"/>
+              </a:rPr>
+              <a:t> probability is calculated from the posterior sample values. It is calculated as how often (during the MCMC process) the relative risk exceeds a threshold. Used to evaluate how unusual the risk is in an area.</a:t>
+            </a:r>
+          </a:p>
+          <a:p>
+            <a:endParaRPr lang="en-AU" sz="1200" kern="1200" baseline="0" dirty="0">
+              <a:solidFill>
+                <a:schemeClr val="tx1"/>
+              </a:solidFill>
+              <a:effectLst/>
+              <a:latin typeface="+mn-lt"/>
+              <a:ea typeface="+mn-ea"/>
+              <a:cs typeface="+mn-cs"/>
+            </a:endParaRPr>
+          </a:p>
+          <a:p>
+            <a:r>
+              <a:rPr lang="en-AU" sz="1200" kern="1200" baseline="0" dirty="0">
+                <a:solidFill>
+                  <a:schemeClr val="tx1"/>
+                </a:solidFill>
+                <a:effectLst/>
+                <a:latin typeface="+mn-lt"/>
+                <a:ea typeface="+mn-ea"/>
+                <a:cs typeface="+mn-cs"/>
+              </a:rPr>
+              <a:t>Larger values of c represent more extreme risk levels – usually c is set at 1, 2 or 3. You can then set a threshold, e.g. of 0.95, 0.975 or 0.99, above which an area would be identified as having unusual risk. This statistic investigates the localised behaviour of a model, as opposed to the DIC, which is an overall metric to assess how well a model fits the data generally.</a:t>
+            </a:r>
+            <a:endParaRPr lang="en-AU" baseline="0" dirty="0"/>
           </a:p>
         </p:txBody>
       </p:sp>
@@ -5096,13 +5589,102 @@
             <a:endParaRPr lang="en-AU" dirty="0" smtClean="0"/>
           </a:p>
           <a:p>
+            <a:pPr marL="0" marR="0" indent="0" algn="l" defTabSz="914400" rtl="0" eaLnBrk="1" fontAlgn="auto" latinLnBrk="0" hangingPunct="1">
+              <a:lnSpc>
+                <a:spcPct val="100000"/>
+              </a:lnSpc>
+              <a:spcBef>
+                <a:spcPts val="0"/>
+              </a:spcBef>
+              <a:spcAft>
+                <a:spcPts val="0"/>
+              </a:spcAft>
+              <a:buClrTx/>
+              <a:buSzTx/>
+              <a:buFontTx/>
+              <a:buNone/>
+              <a:tabLst/>
+              <a:defRPr/>
+            </a:pPr>
             <a:r>
               <a:rPr lang="en-AU" dirty="0" smtClean="0"/>
               <a:t>Explain the MSPE:</a:t>
             </a:r>
             <a:r>
               <a:rPr lang="en-AU" baseline="0" dirty="0" smtClean="0"/>
-              <a:t> overall crude measure of loss across the data</a:t>
+              <a:t> overall crude measure of loss across the </a:t>
+            </a:r>
+            <a:r>
+              <a:rPr lang="en-AU" baseline="0" dirty="0" smtClean="0"/>
+              <a:t>data. </a:t>
+            </a:r>
+            <a:r>
+              <a:rPr lang="en-AU" sz="1200" b="0" i="0" u="none" strike="noStrike" kern="1200" baseline="0" dirty="0" smtClean="0">
+                <a:solidFill>
+                  <a:schemeClr val="tx1"/>
+                </a:solidFill>
+                <a:latin typeface="+mn-lt"/>
+                <a:ea typeface="+mn-ea"/>
+                <a:cs typeface="+mn-cs"/>
+              </a:rPr>
+              <a:t>To measure the predictive capability of a model, they used the mean squared predictive error, which compares the observed data to the predicted data from the fitted model.</a:t>
+            </a:r>
+          </a:p>
+          <a:p>
+            <a:pPr marL="0" marR="0" indent="0" algn="l" defTabSz="914400" rtl="0" eaLnBrk="1" fontAlgn="auto" latinLnBrk="0" hangingPunct="1">
+              <a:lnSpc>
+                <a:spcPct val="100000"/>
+              </a:lnSpc>
+              <a:spcBef>
+                <a:spcPts val="0"/>
+              </a:spcBef>
+              <a:spcAft>
+                <a:spcPts val="0"/>
+              </a:spcAft>
+              <a:buClrTx/>
+              <a:buSzTx/>
+              <a:buFontTx/>
+              <a:buNone/>
+              <a:tabLst/>
+              <a:defRPr/>
+            </a:pPr>
+            <a:endParaRPr lang="en-AU" sz="1200" b="0" i="0" u="none" strike="noStrike" kern="1200" baseline="0" dirty="0" smtClean="0">
+              <a:solidFill>
+                <a:schemeClr val="tx1"/>
+              </a:solidFill>
+              <a:latin typeface="+mn-lt"/>
+              <a:ea typeface="+mn-ea"/>
+              <a:cs typeface="+mn-cs"/>
+            </a:endParaRPr>
+          </a:p>
+          <a:p>
+            <a:pPr marL="0" marR="0" indent="0" algn="l" defTabSz="914400" rtl="0" eaLnBrk="1" fontAlgn="auto" latinLnBrk="0" hangingPunct="1">
+              <a:lnSpc>
+                <a:spcPct val="100000"/>
+              </a:lnSpc>
+              <a:spcBef>
+                <a:spcPts val="0"/>
+              </a:spcBef>
+              <a:spcAft>
+                <a:spcPts val="0"/>
+              </a:spcAft>
+              <a:buClrTx/>
+              <a:buSzTx/>
+              <a:buFontTx/>
+              <a:buNone/>
+              <a:tabLst/>
+              <a:defRPr/>
+            </a:pPr>
+            <a:r>
+              <a:rPr lang="en-AU" sz="1200" b="0" i="0" u="none" strike="noStrike" kern="1200" baseline="0" dirty="0" smtClean="0">
+                <a:solidFill>
+                  <a:schemeClr val="tx1"/>
+                </a:solidFill>
+                <a:latin typeface="+mn-lt"/>
+                <a:ea typeface="+mn-ea"/>
+                <a:cs typeface="+mn-cs"/>
+              </a:rPr>
+              <a:t>It is the sum of the squared difference between the observed and predicted counts, divided by the sampler size and the number of data points. The second summation j is over each sample in the posterior samples.</a:t>
             </a:r>
             <a:endParaRPr lang="en-AU" dirty="0" smtClean="0"/>
           </a:p>
@@ -5116,8 +5698,29 @@
             </a:r>
             <a:r>
               <a:rPr lang="en-AU" baseline="0" dirty="0" smtClean="0"/>
-              <a:t> the WAIC: estimating the out-of-sample expectation.</a:t>
-            </a:r>
+              <a:t> the WAIC: estimating the out-of-sample </a:t>
+            </a:r>
+            <a:r>
+              <a:rPr lang="en-AU" baseline="0" dirty="0" smtClean="0"/>
+              <a:t>expectation – uses the log </a:t>
+            </a:r>
+            <a:r>
+              <a:rPr lang="en-AU" baseline="0" dirty="0" err="1" smtClean="0"/>
+              <a:t>pointwise</a:t>
+            </a:r>
+            <a:r>
+              <a:rPr lang="en-AU" baseline="0" dirty="0" smtClean="0"/>
+              <a:t> posterior predictive density. </a:t>
+            </a:r>
+            <a:r>
+              <a:rPr lang="en-AU" baseline="0" dirty="0" err="1" smtClean="0"/>
+              <a:t>pWAIC</a:t>
+            </a:r>
+            <a:r>
+              <a:rPr lang="en-AU" baseline="0" dirty="0" smtClean="0"/>
+              <a:t> is the bias adjustment. It is the sum (over the areas) of the variance of individual terms in the log density.</a:t>
+            </a:r>
+            <a:endParaRPr lang="en-AU" baseline="0" dirty="0" smtClean="0"/>
           </a:p>
           <a:p>
             <a:endParaRPr lang="en-AU" baseline="0" dirty="0" smtClean="0"/>
@@ -8353,6 +8956,177 @@
         </p:nvSpPr>
         <p:spPr/>
         <p:txBody>
+          <a:bodyPr/>
+          <a:lstStyle/>
+          <a:p>
+            <a:r>
+              <a:rPr lang="en-AU" dirty="0" smtClean="0"/>
+              <a:t>Results</a:t>
+            </a:r>
+            <a:endParaRPr lang="en-AU" dirty="0"/>
+          </a:p>
+        </p:txBody>
+      </p:sp>
+      <p:sp>
+        <p:nvSpPr>
+          <p:cNvPr id="3" name="Content Placeholder 2"/>
+          <p:cNvSpPr>
+            <a:spLocks noGrp="1"/>
+          </p:cNvSpPr>
+          <p:nvPr>
+            <p:ph idx="1"/>
+          </p:nvPr>
+        </p:nvSpPr>
+        <p:spPr>
+          <a:xfrm>
+            <a:off x="457200" y="1600200"/>
+            <a:ext cx="4143324" cy="4525963"/>
+          </a:xfrm>
+        </p:spPr>
+        <p:txBody>
+          <a:bodyPr>
+            <a:normAutofit/>
+          </a:bodyPr>
+          <a:lstStyle/>
+          <a:p>
+            <a:r>
+              <a:rPr lang="en-AU" sz="2400" dirty="0" smtClean="0"/>
+              <a:t>When they compared the BYM and SPC models, they found that the SPC is a better fit to the </a:t>
+            </a:r>
+            <a:r>
+              <a:rPr lang="en-AU" sz="2400" dirty="0" smtClean="0"/>
+              <a:t>data</a:t>
+            </a:r>
+            <a:r>
+              <a:rPr lang="en-AU" sz="2400" dirty="0" smtClean="0"/>
+              <a:t>, </a:t>
+            </a:r>
+            <a:r>
+              <a:rPr lang="en-AU" sz="2400" dirty="0"/>
+              <a:t>but is only marginally better at predicting future data. </a:t>
+            </a:r>
+            <a:endParaRPr lang="en-AU" sz="2400" dirty="0" smtClean="0"/>
+          </a:p>
+          <a:p>
+            <a:r>
+              <a:rPr lang="en-AU" sz="2400" dirty="0" smtClean="0"/>
+              <a:t>They </a:t>
+            </a:r>
+            <a:r>
+              <a:rPr lang="en-AU" sz="2400" dirty="0" smtClean="0"/>
+              <a:t>also compared the SMR with the BYM and SPC models, and found that the BYM and SPC produced smoother risk </a:t>
+            </a:r>
+            <a:r>
+              <a:rPr lang="en-AU" sz="2400" dirty="0" smtClean="0"/>
+              <a:t>estimates.</a:t>
+            </a:r>
+            <a:endParaRPr lang="en-AU" sz="2400" dirty="0"/>
+          </a:p>
+        </p:txBody>
+      </p:sp>
+      <p:pic>
+        <p:nvPicPr>
+          <p:cNvPr id="1026" name="Picture 2"/>
+          <p:cNvPicPr>
+            <a:picLocks noChangeAspect="1" noChangeArrowheads="1"/>
+          </p:cNvPicPr>
+          <p:nvPr/>
+        </p:nvPicPr>
+        <p:blipFill>
+          <a:blip r:embed="rId3" cstate="print">
+            <a:extLst>
+              <a:ext uri="{28A0092B-C50C-407E-A947-70E740481C1C}">
+                <a14:useLocalDpi xmlns:a14="http://schemas.microsoft.com/office/drawing/2010/main" val="0"/>
+              </a:ext>
+            </a:extLst>
+          </a:blip>
+          <a:srcRect/>
+          <a:stretch>
+            <a:fillRect/>
+          </a:stretch>
+        </p:blipFill>
+        <p:spPr bwMode="auto">
+          <a:xfrm>
+            <a:off x="4600524" y="1457325"/>
+            <a:ext cx="3771900" cy="1314450"/>
+          </a:xfrm>
+          <a:prstGeom prst="rect">
+            <a:avLst/>
+          </a:prstGeom>
+          <a:noFill/>
+          <a:ln>
+            <a:noFill/>
+          </a:ln>
+          <a:extLst>
+            <a:ext uri="{909E8E84-426E-40dd-AFC4-6F175D3DCCD1}">
+              <a14:hiddenFill xmlns:a14="http://schemas.microsoft.com/office/drawing/2010/main">
+                <a:solidFill>
+                  <a:schemeClr val="accent1"/>
+                </a:solidFill>
+              </a14:hiddenFill>
+            </a:ext>
+            <a:ext uri="{91240B29-F687-4f45-9708-019B960494DF}">
+              <a14:hiddenLine xmlns:a14="http://schemas.microsoft.com/office/drawing/2010/main" w="9525">
+                <a:solidFill>
+                  <a:schemeClr val="tx1"/>
+                </a:solidFill>
+                <a:miter lim="800000"/>
+                <a:headEnd/>
+                <a:tailEnd/>
+              </a14:hiddenLine>
+            </a:ext>
+          </a:extLst>
+        </p:spPr>
+      </p:pic>
+    </p:spTree>
+    <p:extLst>
+      <p:ext uri="{BB962C8B-B14F-4D97-AF65-F5344CB8AC3E}">
+        <p14:creationId xmlns:p14="http://schemas.microsoft.com/office/powerpoint/2010/main" val="3639731568"/>
+      </p:ext>
+    </p:extLst>
+  </p:cSld>
+  <p:clrMapOvr>
+    <a:masterClrMapping/>
+  </p:clrMapOvr>
+  <p:timing>
+    <p:tnLst>
+      <p:par>
+        <p:cTn xmlns:p14="http://schemas.microsoft.com/office/powerpoint/2010/main" id="1" dur="indefinite" restart="never" nodeType="tmRoot"/>
+      </p:par>
+    </p:tnLst>
+  </p:timing>
+</p:sld>
+</file>
+
+<file path=ppt/slides/slide11.xml><?xml version="1.0" encoding="utf-8"?>
+<p:sld xmlns:a="http://schemas.openxmlformats.org/drawingml/2006/main" xmlns:r="http://schemas.openxmlformats.org/officeDocument/2006/relationships" xmlns:p="http://schemas.openxmlformats.org/presentationml/2006/main">
+  <p:cSld>
+    <p:spTree>
+      <p:nvGrpSpPr>
+        <p:cNvPr id="1" name=""/>
+        <p:cNvGrpSpPr/>
+        <p:nvPr/>
+      </p:nvGrpSpPr>
+      <p:grpSpPr>
+        <a:xfrm>
+          <a:off x="0" y="0"/>
+          <a:ext cx="0" cy="0"/>
+          <a:chOff x="0" y="0"/>
+          <a:chExt cx="0" cy="0"/>
+        </a:xfrm>
+      </p:grpSpPr>
+      <p:sp>
+        <p:nvSpPr>
+          <p:cNvPr id="2" name="Title 1"/>
+          <p:cNvSpPr>
+            <a:spLocks noGrp="1"/>
+          </p:cNvSpPr>
+          <p:nvPr>
+            <p:ph type="title"/>
+          </p:nvPr>
+        </p:nvSpPr>
+        <p:spPr/>
+        <p:txBody>
           <a:bodyPr>
             <a:normAutofit/>
           </a:bodyPr>
@@ -8440,7 +9214,7 @@
 </p:sld>
 </file>
 
-<file path=ppt/slides/slide11.xml><?xml version="1.0" encoding="utf-8"?>
+<file path=ppt/slides/slide12.xml><?xml version="1.0" encoding="utf-8"?>
 <p:sld xmlns:a="http://schemas.openxmlformats.org/drawingml/2006/main" xmlns:r="http://schemas.openxmlformats.org/officeDocument/2006/relationships" xmlns:p="http://schemas.openxmlformats.org/presentationml/2006/main">
   <p:cSld>
     <p:spTree>
@@ -8554,7 +9328,7 @@
 </p:sld>
 </file>
 
-<file path=ppt/slides/slide12.xml><?xml version="1.0" encoding="utf-8"?>
+<file path=ppt/slides/slide13.xml><?xml version="1.0" encoding="utf-8"?>
 <p:sld xmlns:a="http://schemas.openxmlformats.org/drawingml/2006/main" xmlns:r="http://schemas.openxmlformats.org/officeDocument/2006/relationships" xmlns:p="http://schemas.openxmlformats.org/presentationml/2006/main">
   <p:cSld>
     <p:spTree>
@@ -8668,156 +9442,6 @@
 </p:sld>
 </file>
 
-<file path=ppt/slides/slide13.xml><?xml version="1.0" encoding="utf-8"?>
-<p:sld xmlns:a="http://schemas.openxmlformats.org/drawingml/2006/main" xmlns:r="http://schemas.openxmlformats.org/officeDocument/2006/relationships" xmlns:p="http://schemas.openxmlformats.org/presentationml/2006/main">
-  <p:cSld>
-    <p:spTree>
-      <p:nvGrpSpPr>
-        <p:cNvPr id="1" name=""/>
-        <p:cNvGrpSpPr/>
-        <p:nvPr/>
-      </p:nvGrpSpPr>
-      <p:grpSpPr>
-        <a:xfrm>
-          <a:off x="0" y="0"/>
-          <a:ext cx="0" cy="0"/>
-          <a:chOff x="0" y="0"/>
-          <a:chExt cx="0" cy="0"/>
-        </a:xfrm>
-      </p:grpSpPr>
-      <p:sp>
-        <p:nvSpPr>
-          <p:cNvPr id="2" name="Title 1"/>
-          <p:cNvSpPr>
-            <a:spLocks noGrp="1"/>
-          </p:cNvSpPr>
-          <p:nvPr>
-            <p:ph type="title"/>
-          </p:nvPr>
-        </p:nvSpPr>
-        <p:spPr/>
-        <p:txBody>
-          <a:bodyPr/>
-          <a:lstStyle/>
-          <a:p>
-            <a:r>
-              <a:rPr lang="en-AU" dirty="0" smtClean="0"/>
-              <a:t>Results of the article</a:t>
-            </a:r>
-            <a:endParaRPr lang="en-AU" dirty="0"/>
-          </a:p>
-        </p:txBody>
-      </p:sp>
-      <p:sp>
-        <p:nvSpPr>
-          <p:cNvPr id="3" name="Content Placeholder 2"/>
-          <p:cNvSpPr>
-            <a:spLocks noGrp="1"/>
-          </p:cNvSpPr>
-          <p:nvPr>
-            <p:ph idx="1"/>
-          </p:nvPr>
-        </p:nvSpPr>
-        <p:spPr>
-          <a:xfrm>
-            <a:off x="457200" y="1600200"/>
-            <a:ext cx="4143324" cy="4525963"/>
-          </a:xfrm>
-        </p:spPr>
-        <p:txBody>
-          <a:bodyPr>
-            <a:normAutofit/>
-          </a:bodyPr>
-          <a:lstStyle/>
-          <a:p>
-            <a:r>
-              <a:rPr lang="en-AU" sz="2400" dirty="0" smtClean="0"/>
-              <a:t>When they compared the BYM and SPC models, they found that the SPC is a better fit to the data, but is only marginally better at predicting future data.  </a:t>
-            </a:r>
-          </a:p>
-          <a:p>
-            <a:r>
-              <a:rPr lang="en-AU" sz="2400" dirty="0" smtClean="0"/>
-              <a:t>They also compared the SMR with the BYM and SPC models, and found that the BYM and SPC produced smoother risk estimates</a:t>
-            </a:r>
-            <a:endParaRPr lang="en-AU" sz="2400" dirty="0"/>
-          </a:p>
-        </p:txBody>
-      </p:sp>
-      <p:pic>
-        <p:nvPicPr>
-          <p:cNvPr id="1026" name="Picture 2"/>
-          <p:cNvPicPr>
-            <a:picLocks noChangeAspect="1" noChangeArrowheads="1"/>
-          </p:cNvPicPr>
-          <p:nvPr/>
-        </p:nvPicPr>
-        <p:blipFill>
-          <a:blip r:embed="rId3" cstate="print">
-            <a:extLst>
-              <a:ext uri="{28A0092B-C50C-407E-A947-70E740481C1C}">
-                <a14:useLocalDpi xmlns:a14="http://schemas.microsoft.com/office/drawing/2010/main" val="0"/>
-              </a:ext>
-            </a:extLst>
-          </a:blip>
-          <a:srcRect/>
-          <a:stretch>
-            <a:fillRect/>
-          </a:stretch>
-        </p:blipFill>
-        <p:spPr bwMode="auto">
-          <a:xfrm>
-            <a:off x="4600524" y="1457325"/>
-            <a:ext cx="3771900" cy="1314450"/>
-          </a:xfrm>
-          <a:prstGeom prst="rect">
-            <a:avLst/>
-          </a:prstGeom>
-          <a:noFill/>
-          <a:ln>
-            <a:noFill/>
-          </a:ln>
-          <a:extLst>
-            <a:ext uri="{909E8E84-426E-40dd-AFC4-6F175D3DCCD1}">
-              <a14:hiddenFill xmlns:a14="http://schemas.microsoft.com/office/drawing/2010/main">
-                <a:solidFill>
-                  <a:schemeClr val="accent1"/>
-                </a:solidFill>
-              </a14:hiddenFill>
-            </a:ext>
-            <a:ext uri="{91240B29-F687-4f45-9708-019B960494DF}">
-              <a14:hiddenLine xmlns:a14="http://schemas.microsoft.com/office/drawing/2010/main" w="9525">
-                <a:solidFill>
-                  <a:schemeClr val="tx1"/>
-                </a:solidFill>
-                <a:miter lim="800000"/>
-                <a:headEnd/>
-                <a:tailEnd/>
-              </a14:hiddenLine>
-            </a:ext>
-          </a:extLst>
-        </p:spPr>
-      </p:pic>
-    </p:spTree>
-    <p:extLst>
-      <p:ext uri="{BB962C8B-B14F-4D97-AF65-F5344CB8AC3E}">
-        <p14:creationId xmlns:p14="http://schemas.microsoft.com/office/powerpoint/2010/main" val="3639731568"/>
-      </p:ext>
-    </p:extLst>
-  </p:cSld>
-  <p:clrMapOvr>
-    <a:masterClrMapping/>
-  </p:clrMapOvr>
-  <p:timing>
-    <p:tnLst>
-      <p:par>
-        <p:cTn xmlns:p14="http://schemas.microsoft.com/office/powerpoint/2010/main" id="1" dur="indefinite" restart="never" nodeType="tmRoot"/>
-      </p:par>
-    </p:tnLst>
-  </p:timing>
-</p:sld>
-</file>
-
 <file path=ppt/slides/slide14.xml><?xml version="1.0" encoding="utf-8"?>
 <p:sld xmlns:a="http://schemas.openxmlformats.org/drawingml/2006/main" xmlns:r="http://schemas.openxmlformats.org/officeDocument/2006/relationships" xmlns:p="http://schemas.openxmlformats.org/presentationml/2006/main">
   <p:cSld>
@@ -9377,6 +10001,13 @@
   <p:clrMapOvr>
     <a:masterClrMapping/>
   </p:clrMapOvr>
+  <p:timing>
+    <p:tnLst>
+      <p:par>
+        <p:cTn xmlns:p14="http://schemas.microsoft.com/office/powerpoint/2010/main" id="1" dur="indefinite" restart="never" nodeType="tmRoot"/>
+      </p:par>
+    </p:tnLst>
+  </p:timing>
 </p:sld>
 </file>
 
@@ -9414,7 +10045,15 @@
           <a:p>
             <a:r>
               <a:rPr lang="en-US" dirty="0" smtClean="0"/>
-              <a:t>Extension – Results</a:t>
+              <a:t>Extension </a:t>
+            </a:r>
+            <a:r>
+              <a:rPr lang="en-US" dirty="0" smtClean="0"/>
+              <a:t>- </a:t>
+            </a:r>
+            <a:r>
+              <a:rPr lang="en-US" dirty="0" smtClean="0"/>
+              <a:t>Results</a:t>
             </a:r>
             <a:endParaRPr lang="en-US" dirty="0"/>
           </a:p>
@@ -9556,7 +10195,11 @@
           <a:p>
             <a:r>
               <a:rPr lang="en-AU" dirty="0" smtClean="0"/>
-              <a:t>Scientific Question</a:t>
+              <a:t>The Scientific </a:t>
+            </a:r>
+            <a:r>
+              <a:rPr lang="en-AU" dirty="0" smtClean="0"/>
+              <a:t>Question</a:t>
             </a:r>
             <a:endParaRPr lang="en-AU" dirty="0"/>
           </a:p>
@@ -9612,12 +10255,12 @@
               <a:t>clusters of </a:t>
             </a:r>
             <a:r>
-              <a:rPr lang="en-AU" sz="2400" dirty="0" err="1"/>
-              <a:t>pediatric</a:t>
+              <a:rPr lang="en-AU" sz="2400" dirty="0" smtClean="0"/>
+              <a:t>paediatric </a:t>
             </a:r>
             <a:r>
               <a:rPr lang="en-AU" sz="2400" dirty="0"/>
-              <a:t> brain cancer at zip code aggregation level in the U.S. state of </a:t>
+              <a:t>brain cancer at zip code aggregation level in the U.S. state of </a:t>
             </a:r>
             <a:r>
               <a:rPr lang="en-AU" sz="2400" dirty="0" smtClean="0"/>
@@ -9634,12 +10277,20 @@
               <a:t>raised incidence of </a:t>
             </a:r>
             <a:r>
-              <a:rPr lang="en-AU" sz="2400" dirty="0" err="1"/>
-              <a:t>pediatric</a:t>
+              <a:rPr lang="en-AU" sz="2400" dirty="0" smtClean="0"/>
+              <a:t>paediatric </a:t>
             </a:r>
             <a:r>
               <a:rPr lang="en-AU" sz="2400" dirty="0"/>
-              <a:t> brain cancer was found in the southern area of the state (south Florida cluster</a:t>
+              <a:t>brain cancer was found in the southern area of the state </a:t>
+            </a:r>
+            <a:r>
+              <a:rPr lang="en-AU" sz="2400" dirty="0" smtClean="0"/>
+              <a:t>(south </a:t>
+            </a:r>
+            <a:r>
+              <a:rPr lang="en-AU" sz="2400" dirty="0"/>
+              <a:t>Florida cluster</a:t>
             </a:r>
             <a:r>
               <a:rPr lang="en-AU" sz="2400" dirty="0" smtClean="0"/>
@@ -10414,8 +11065,13 @@
           <a:p>
             <a:r>
               <a:rPr lang="en-AU" dirty="0" smtClean="0"/>
-              <a:t>Large numbers of postal codes, data not published</a:t>
-            </a:r>
+              <a:t>Large numbers of postal codes, data not </a:t>
+            </a:r>
+            <a:r>
+              <a:rPr lang="en-AU" dirty="0" smtClean="0"/>
+              <a:t>published.</a:t>
+            </a:r>
+            <a:endParaRPr lang="en-AU" dirty="0" smtClean="0"/>
           </a:p>
           <a:p>
             <a:r>
@@ -10426,7 +11082,15 @@
           <a:p>
             <a:r>
               <a:rPr lang="en-AU" dirty="0" smtClean="0"/>
-              <a:t>The BYM model would be best for exactly the data that was not published</a:t>
+              <a:t>The BYM model would be best for exactly the data that was </a:t>
+            </a:r>
+            <a:r>
+              <a:rPr lang="en-AU" smtClean="0"/>
+              <a:t>not </a:t>
+            </a:r>
+            <a:r>
+              <a:rPr lang="en-AU" smtClean="0"/>
+              <a:t>published.</a:t>
             </a:r>
             <a:endParaRPr lang="en-AU" dirty="0"/>
           </a:p>
@@ -10994,7 +11658,7 @@
               <a:t>http://www.abs.gov.au/AUSSTATS/abs@.nsf/DetailsPage/1270.0.55.003July%202011?</a:t>
             </a:r>
             <a:r>
-              <a:rPr lang="en-AU" sz="2500" dirty="0" smtClean="0">
+              <a:rPr lang="en-AU" sz="2500" dirty="0">
                 <a:solidFill>
                   <a:srgbClr val="000000"/>
                 </a:solidFill>
@@ -11177,7 +11841,11 @@
           <a:p>
             <a:r>
               <a:rPr lang="en-AU" dirty="0" smtClean="0"/>
-              <a:t>The data</a:t>
+              <a:t>The </a:t>
+            </a:r>
+            <a:r>
+              <a:rPr lang="en-AU" dirty="0" smtClean="0"/>
+              <a:t>Data</a:t>
             </a:r>
             <a:endParaRPr lang="en-AU" dirty="0"/>
           </a:p>
@@ -11743,7 +12411,11 @@
           <a:p>
             <a:r>
               <a:rPr lang="en-AU" sz="2400" dirty="0" smtClean="0"/>
-              <a:t>Problem: misleading when applied to rare diseases</a:t>
+              <a:t>Problem: misleading when applied to rare </a:t>
+            </a:r>
+            <a:r>
+              <a:rPr lang="en-AU" sz="2400" dirty="0" smtClean="0"/>
+              <a:t>diseases.</a:t>
             </a:r>
             <a:endParaRPr lang="en-AU" sz="2400" dirty="0"/>
           </a:p>
@@ -12137,8 +12809,13 @@
           <a:p>
             <a:r>
               <a:rPr lang="en-AU" sz="2400" dirty="0" smtClean="0"/>
-              <a:t>The statisticians use several methods to evaluate the models goodness-of-fit</a:t>
-            </a:r>
+              <a:t>The statisticians use several methods to evaluate the models goodness-of-</a:t>
+            </a:r>
+            <a:r>
+              <a:rPr lang="en-AU" sz="2400" dirty="0" smtClean="0"/>
+              <a:t>fit.</a:t>
+            </a:r>
+            <a:endParaRPr lang="en-AU" sz="2400" dirty="0" smtClean="0"/>
           </a:p>
           <a:p>
             <a:r>
